--- a/FinalLibraryFrameworkDesignDocument.pptx
+++ b/FinalLibraryFrameworkDesignDocument.pptx
@@ -211,7 +211,7 @@
           <a:p>
             <a:fld id="{207A4D14-C0C7-4076-8C0D-16D5C8CA2C99}" type="datetimeFigureOut">
               <a:rPr lang="en-US" smtClean="0"/>
-              <a:t>8/11/2019</a:t>
+              <a:t>8/12/2019</a:t>
             </a:fld>
             <a:endParaRPr lang="en-US"/>
           </a:p>
@@ -880,7 +880,7 @@
           <a:p>
             <a:fld id="{40B06E3B-156D-40F8-94F7-F2E625950314}" type="datetimeFigureOut">
               <a:rPr lang="en-US" smtClean="0"/>
-              <a:t>8/11/2019</a:t>
+              <a:t>8/12/2019</a:t>
             </a:fld>
             <a:endParaRPr lang="en-US"/>
           </a:p>
@@ -1078,7 +1078,7 @@
           <a:p>
             <a:fld id="{40B06E3B-156D-40F8-94F7-F2E625950314}" type="datetimeFigureOut">
               <a:rPr lang="en-US" smtClean="0"/>
-              <a:t>8/11/2019</a:t>
+              <a:t>8/12/2019</a:t>
             </a:fld>
             <a:endParaRPr lang="en-US"/>
           </a:p>
@@ -1286,7 +1286,7 @@
           <a:p>
             <a:fld id="{40B06E3B-156D-40F8-94F7-F2E625950314}" type="datetimeFigureOut">
               <a:rPr lang="en-US" smtClean="0"/>
-              <a:t>8/11/2019</a:t>
+              <a:t>8/12/2019</a:t>
             </a:fld>
             <a:endParaRPr lang="en-US"/>
           </a:p>
@@ -1484,7 +1484,7 @@
           <a:p>
             <a:fld id="{40B06E3B-156D-40F8-94F7-F2E625950314}" type="datetimeFigureOut">
               <a:rPr lang="en-US" smtClean="0"/>
-              <a:t>8/11/2019</a:t>
+              <a:t>8/12/2019</a:t>
             </a:fld>
             <a:endParaRPr lang="en-US"/>
           </a:p>
@@ -1759,7 +1759,7 @@
           <a:p>
             <a:fld id="{40B06E3B-156D-40F8-94F7-F2E625950314}" type="datetimeFigureOut">
               <a:rPr lang="en-US" smtClean="0"/>
-              <a:t>8/11/2019</a:t>
+              <a:t>8/12/2019</a:t>
             </a:fld>
             <a:endParaRPr lang="en-US"/>
           </a:p>
@@ -2024,7 +2024,7 @@
           <a:p>
             <a:fld id="{40B06E3B-156D-40F8-94F7-F2E625950314}" type="datetimeFigureOut">
               <a:rPr lang="en-US" smtClean="0"/>
-              <a:t>8/11/2019</a:t>
+              <a:t>8/12/2019</a:t>
             </a:fld>
             <a:endParaRPr lang="en-US"/>
           </a:p>
@@ -2436,7 +2436,7 @@
           <a:p>
             <a:fld id="{40B06E3B-156D-40F8-94F7-F2E625950314}" type="datetimeFigureOut">
               <a:rPr lang="en-US" smtClean="0"/>
-              <a:t>8/11/2019</a:t>
+              <a:t>8/12/2019</a:t>
             </a:fld>
             <a:endParaRPr lang="en-US"/>
           </a:p>
@@ -2577,7 +2577,7 @@
           <a:p>
             <a:fld id="{40B06E3B-156D-40F8-94F7-F2E625950314}" type="datetimeFigureOut">
               <a:rPr lang="en-US" smtClean="0"/>
-              <a:t>8/11/2019</a:t>
+              <a:t>8/12/2019</a:t>
             </a:fld>
             <a:endParaRPr lang="en-US"/>
           </a:p>
@@ -2690,7 +2690,7 @@
           <a:p>
             <a:fld id="{40B06E3B-156D-40F8-94F7-F2E625950314}" type="datetimeFigureOut">
               <a:rPr lang="en-US" smtClean="0"/>
-              <a:t>8/11/2019</a:t>
+              <a:t>8/12/2019</a:t>
             </a:fld>
             <a:endParaRPr lang="en-US"/>
           </a:p>
@@ -3001,7 +3001,7 @@
           <a:p>
             <a:fld id="{40B06E3B-156D-40F8-94F7-F2E625950314}" type="datetimeFigureOut">
               <a:rPr lang="en-US" smtClean="0"/>
-              <a:t>8/11/2019</a:t>
+              <a:t>8/12/2019</a:t>
             </a:fld>
             <a:endParaRPr lang="en-US"/>
           </a:p>
@@ -3289,7 +3289,7 @@
           <a:p>
             <a:fld id="{40B06E3B-156D-40F8-94F7-F2E625950314}" type="datetimeFigureOut">
               <a:rPr lang="en-US" smtClean="0"/>
-              <a:t>8/11/2019</a:t>
+              <a:t>8/12/2019</a:t>
             </a:fld>
             <a:endParaRPr lang="en-US"/>
           </a:p>
@@ -3530,7 +3530,7 @@
           <a:p>
             <a:fld id="{40B06E3B-156D-40F8-94F7-F2E625950314}" type="datetimeFigureOut">
               <a:rPr lang="en-US" smtClean="0"/>
-              <a:t>8/11/2019</a:t>
+              <a:t>8/12/2019</a:t>
             </a:fld>
             <a:endParaRPr lang="en-US"/>
           </a:p>
@@ -4446,55 +4446,117 @@
           <a:lstStyle/>
           <a:p>
             <a:r>
-              <a:rPr lang="en-US" sz="2000"/>
-              <a:t>Emmanuel Cadet (</a:t>
-            </a:r>
-            <a:r>
-              <a:rPr lang="en-US" sz="2000">
+              <a:rPr lang="en-US" sz="2000" dirty="0"/>
+              <a:t>Emmanuel Cadet</a:t>
+            </a:r>
+            <a:br>
+              <a:rPr lang="en-US" sz="2000" dirty="0"/>
+            </a:br>
+            <a:r>
+              <a:rPr lang="en-US" sz="2000" dirty="0"/>
+              <a:t>610163</a:t>
+            </a:r>
+            <a:br>
+              <a:rPr lang="en-US" sz="2000" dirty="0"/>
+            </a:br>
+            <a:r>
+              <a:rPr lang="en-US" sz="2000" dirty="0">
                 <a:hlinkClick r:id="rId3"/>
               </a:rPr>
               <a:t>ecades@mum.edu</a:t>
             </a:r>
-            <a:r>
-              <a:rPr lang="en-US" sz="2000"/>
-              <a:t>)</a:t>
-            </a:r>
-          </a:p>
-          <a:p>
-            <a:r>
-              <a:rPr lang="en-US" sz="2000"/>
-              <a:t>Musiliu Adeniyi Bolaji (</a:t>
-            </a:r>
-            <a:r>
-              <a:rPr lang="en-US" sz="2000">
+            <a:endParaRPr lang="en-US" sz="2000" dirty="0"/>
+          </a:p>
+          <a:p>
+            <a:r>
+              <a:rPr lang="en-US" sz="2000" dirty="0"/>
+              <a:t>Musiliu Adeniyi Bolaji</a:t>
+            </a:r>
+            <a:br>
+              <a:rPr lang="en-US" sz="2000" dirty="0"/>
+            </a:br>
+            <a:r>
+              <a:rPr lang="en-US" sz="2000" dirty="0"/>
+              <a:t>610130 </a:t>
+            </a:r>
+            <a:br>
+              <a:rPr lang="en-US" sz="2000" dirty="0"/>
+            </a:br>
+            <a:r>
+              <a:rPr lang="en-US" sz="2000" dirty="0">
                 <a:hlinkClick r:id="rId4"/>
               </a:rPr>
               <a:t>mabolaji@mum.edu</a:t>
             </a:r>
-            <a:r>
-              <a:rPr lang="en-US" sz="2000"/>
-              <a:t>)</a:t>
-            </a:r>
-          </a:p>
-          <a:p>
-            <a:r>
-              <a:rPr lang="en-US" sz="2000"/>
-              <a:t>Aaron Gezai (</a:t>
-            </a:r>
-            <a:r>
-              <a:rPr lang="en-US" sz="2000">
+            <a:endParaRPr lang="en-US" sz="2000" dirty="0"/>
+          </a:p>
+          <a:p>
+            <a:r>
+              <a:rPr lang="en-US" sz="2000" dirty="0"/>
+              <a:t>Aaron Gezai </a:t>
+            </a:r>
+            <a:br>
+              <a:rPr lang="en-US" sz="2000" dirty="0"/>
+            </a:br>
+            <a:r>
+              <a:rPr lang="en-US" sz="2000" dirty="0"/>
+              <a:t>109660</a:t>
+            </a:r>
+            <a:br>
+              <a:rPr lang="en-US" sz="2000" dirty="0"/>
+            </a:br>
+            <a:r>
+              <a:rPr lang="en-US" sz="2000" dirty="0">
                 <a:hlinkClick r:id="rId5"/>
               </a:rPr>
               <a:t>agezai@mum.edu</a:t>
             </a:r>
-            <a:r>
-              <a:rPr lang="en-US" sz="2000"/>
-              <a:t>)</a:t>
-            </a:r>
-          </a:p>
-          <a:p>
-            <a:pPr marL="0"/>
-            <a:endParaRPr lang="en-US" sz="2000"/>
+            <a:endParaRPr lang="en-US" sz="2000" dirty="0"/>
+          </a:p>
+        </p:txBody>
+      </p:sp>
+      <p:sp>
+        <p:nvSpPr>
+          <p:cNvPr id="3" name="TextBox 2">
+            <a:extLst>
+              <a:ext uri="{FF2B5EF4-FFF2-40B4-BE49-F238E27FC236}">
+                <a16:creationId xmlns:a16="http://schemas.microsoft.com/office/drawing/2014/main" id="{D14B98FA-24B0-4BFF-AA31-159EA14B0C4D}"/>
+              </a:ext>
+            </a:extLst>
+          </p:cNvPr>
+          <p:cNvSpPr txBox="1"/>
+          <p:nvPr/>
+        </p:nvSpPr>
+        <p:spPr>
+          <a:xfrm>
+            <a:off x="783771" y="352542"/>
+            <a:ext cx="6107417" cy="646331"/>
+          </a:xfrm>
+          <a:prstGeom prst="rect">
+            <a:avLst/>
+          </a:prstGeom>
+          <a:noFill/>
+        </p:spPr>
+        <p:txBody>
+          <a:bodyPr wrap="square" rtlCol="0">
+            <a:spAutoFit/>
+          </a:bodyPr>
+          <a:lstStyle/>
+          <a:p>
+            <a:pPr algn="ctr"/>
+            <a:r>
+              <a:rPr lang="en-US" sz="3600" b="1" dirty="0">
+                <a:solidFill>
+                  <a:schemeClr val="accent5">
+                    <a:lumMod val="75000"/>
+                  </a:schemeClr>
+                </a:solidFill>
+                <a:latin typeface="Times New Roman" panose="02020603050405020304" pitchFamily="18" charset="0"/>
+                <a:cs typeface="Times New Roman" panose="02020603050405020304" pitchFamily="18" charset="0"/>
+              </a:rPr>
+              <a:t>LIBRARY FRAMEWORK</a:t>
+            </a:r>
+            <a:endParaRPr lang="en-US" sz="3600" dirty="0"/>
           </a:p>
         </p:txBody>
       </p:sp>
@@ -4663,13 +4725,12 @@
           <a:lstStyle/>
           <a:p>
             <a:r>
-              <a:rPr lang="en-US" sz="3200" kern="1200">
+              <a:rPr lang="en-US" sz="3200" kern="1200" dirty="0">
                 <a:solidFill>
                   <a:srgbClr val="FFFFFF"/>
                 </a:solidFill>
-                <a:latin typeface="+mj-lt"/>
-                <a:ea typeface="+mj-ea"/>
-                <a:cs typeface="+mj-cs"/>
+                <a:latin typeface="Times New Roman" panose="02020603050405020304" pitchFamily="18" charset="0"/>
+                <a:cs typeface="Times New Roman" panose="02020603050405020304" pitchFamily="18" charset="0"/>
               </a:rPr>
               <a:t>The Factory Design Pattern</a:t>
             </a:r>
@@ -4709,7 +4770,35 @@
                 <a:latin typeface="Times New Roman" panose="02020603050405020304" pitchFamily="18" charset="0"/>
                 <a:cs typeface="Times New Roman" panose="02020603050405020304" pitchFamily="18" charset="0"/>
               </a:rPr>
-              <a:t>We use Factory pattern to create a data access object which may vary dependently on the type of service the BaseRepository interface need to store or get. The subclass RDBDataAccessFactory will decide which Data Access to create base on the type of the object that need to be stored. This solution is both reusable and easy to maintain. </a:t>
+              <a:t>We use Factory pattern to create a data access object which may vary dependently on the type of service the </a:t>
+            </a:r>
+            <a:r>
+              <a:rPr lang="en-US" sz="1800" b="1" dirty="0">
+                <a:latin typeface="Times New Roman" panose="02020603050405020304" pitchFamily="18" charset="0"/>
+                <a:cs typeface="Times New Roman" panose="02020603050405020304" pitchFamily="18" charset="0"/>
+              </a:rPr>
+              <a:t>BaseRepository</a:t>
+            </a:r>
+            <a:r>
+              <a:rPr lang="en-US" sz="1800" dirty="0">
+                <a:latin typeface="Times New Roman" panose="02020603050405020304" pitchFamily="18" charset="0"/>
+                <a:cs typeface="Times New Roman" panose="02020603050405020304" pitchFamily="18" charset="0"/>
+              </a:rPr>
+              <a:t> interface need to store or get. The subclass </a:t>
+            </a:r>
+            <a:r>
+              <a:rPr lang="en-US" sz="1800" b="1" dirty="0">
+                <a:latin typeface="Times New Roman" panose="02020603050405020304" pitchFamily="18" charset="0"/>
+                <a:cs typeface="Times New Roman" panose="02020603050405020304" pitchFamily="18" charset="0"/>
+              </a:rPr>
+              <a:t>RDBDataAccessFactory</a:t>
+            </a:r>
+            <a:r>
+              <a:rPr lang="en-US" sz="1800" dirty="0">
+                <a:latin typeface="Times New Roman" panose="02020603050405020304" pitchFamily="18" charset="0"/>
+                <a:cs typeface="Times New Roman" panose="02020603050405020304" pitchFamily="18" charset="0"/>
+              </a:rPr>
+              <a:t> will decide which Data Access to create base on the type of the object that need to be stored. This solution is both reusable and easy to maintain. </a:t>
             </a:r>
           </a:p>
         </p:txBody>
@@ -4915,13 +5004,12 @@
           <a:p>
             <a:pPr algn="ctr"/>
             <a:r>
-              <a:rPr lang="en-US" sz="2600" kern="1200">
+              <a:rPr lang="en-US" sz="2600" kern="1200" dirty="0">
                 <a:solidFill>
                   <a:srgbClr val="FFFFFF"/>
                 </a:solidFill>
-                <a:latin typeface="+mj-lt"/>
-                <a:ea typeface="+mj-ea"/>
-                <a:cs typeface="+mj-cs"/>
+                <a:latin typeface="Times New Roman" panose="02020603050405020304" pitchFamily="18" charset="0"/>
+                <a:cs typeface="Times New Roman" panose="02020603050405020304" pitchFamily="18" charset="0"/>
               </a:rPr>
               <a:t>The Command Design pattern.</a:t>
             </a:r>
@@ -5071,7 +5159,13 @@
           <a:lstStyle/>
           <a:p>
             <a:r>
-              <a:rPr lang="en-US"/>
+              <a:rPr lang="en-US" dirty="0">
+                <a:solidFill>
+                  <a:schemeClr val="tx2"/>
+                </a:solidFill>
+                <a:latin typeface="Times New Roman" panose="02020603050405020304" pitchFamily="18" charset="0"/>
+                <a:cs typeface="Times New Roman" panose="02020603050405020304" pitchFamily="18" charset="0"/>
+              </a:rPr>
               <a:t>The Adapter Design Pattern </a:t>
             </a:r>
           </a:p>
@@ -5322,27 +5416,33 @@
           </a:bodyPr>
           <a:lstStyle/>
           <a:p>
-            <a:pPr algn="r"/>
-            <a:r>
-              <a:rPr lang="en-US" dirty="0">
+            <a:pPr algn="ctr"/>
+            <a:r>
+              <a:rPr lang="en-US" sz="4800" dirty="0">
                 <a:solidFill>
                   <a:srgbClr val="FFFFFF"/>
                 </a:solidFill>
+                <a:latin typeface="Times New Roman" panose="02020603050405020304" pitchFamily="18" charset="0"/>
+                <a:cs typeface="Times New Roman" panose="02020603050405020304" pitchFamily="18" charset="0"/>
               </a:rPr>
               <a:t>The Façade Design </a:t>
             </a:r>
             <a:br>
-              <a:rPr lang="en-US" dirty="0">
+              <a:rPr lang="en-US" sz="4800" dirty="0">
                 <a:solidFill>
                   <a:srgbClr val="FFFFFF"/>
                 </a:solidFill>
+                <a:latin typeface="Times New Roman" panose="02020603050405020304" pitchFamily="18" charset="0"/>
+                <a:cs typeface="Times New Roman" panose="02020603050405020304" pitchFamily="18" charset="0"/>
               </a:rPr>
             </a:br>
             <a:r>
-              <a:rPr lang="en-US" dirty="0">
+              <a:rPr lang="en-US" sz="4800" dirty="0">
                 <a:solidFill>
                   <a:srgbClr val="FFFFFF"/>
                 </a:solidFill>
+                <a:latin typeface="Times New Roman" panose="02020603050405020304" pitchFamily="18" charset="0"/>
+                <a:cs typeface="Times New Roman" panose="02020603050405020304" pitchFamily="18" charset="0"/>
               </a:rPr>
               <a:t>Pattern </a:t>
             </a:r>
@@ -5569,7 +5669,7 @@
         <p:spPr>
           <a:xfrm>
             <a:off x="648929" y="629266"/>
-            <a:ext cx="6586491" cy="1676603"/>
+            <a:ext cx="6586491" cy="1440343"/>
           </a:xfrm>
         </p:spPr>
         <p:txBody>
@@ -5581,10 +5681,10 @@
             <a:r>
               <a:rPr lang="en-US" sz="3200" dirty="0">
                 <a:solidFill>
-                  <a:srgbClr val="FF0000"/>
+                  <a:schemeClr val="tx2"/>
                 </a:solidFill>
-                <a:latin typeface="Algerian" panose="04020705040A02060702" pitchFamily="82" charset="0"/>
-                <a:cs typeface="Aldhabi" panose="020B0604020202020204" pitchFamily="2" charset="-78"/>
+                <a:latin typeface="Times New Roman" panose="02020603050405020304" pitchFamily="18" charset="0"/>
+                <a:cs typeface="Times New Roman" panose="02020603050405020304" pitchFamily="18" charset="0"/>
               </a:rPr>
               <a:t>Singleton Design pattern </a:t>
             </a:r>
@@ -5615,7 +5715,7 @@
         </p:spPr>
         <p:txBody>
           <a:bodyPr vert="horz" lIns="91440" tIns="45720" rIns="91440" bIns="45720" rtlCol="0">
-            <a:normAutofit fontScale="92500" lnSpcReduction="10000"/>
+            <a:normAutofit fontScale="92500" lnSpcReduction="20000"/>
           </a:bodyPr>
           <a:lstStyle/>
           <a:p>
@@ -5624,7 +5724,7 @@
               <a:t>We use the singleton patter in the </a:t>
             </a:r>
             <a:r>
-              <a:rPr lang="en-US" dirty="0" err="1"/>
+              <a:rPr lang="en-US" b="1" dirty="0" err="1"/>
               <a:t>JDBCFace</a:t>
             </a:r>
             <a:r>
@@ -5638,12 +5738,12 @@
               <a:t>In this solution, the singleton instance is created inside an inner class and the inner class will be loaded only when the first call of the </a:t>
             </a:r>
             <a:r>
-              <a:rPr lang="en-US" dirty="0" err="1"/>
+              <a:rPr lang="en-US" b="1" dirty="0" err="1"/>
               <a:t>getInstance</a:t>
             </a:r>
             <a:r>
               <a:rPr lang="en-US" dirty="0"/>
-              <a:t> is made. This guaranty that the instance will be created when needed and as it is a private static instance which is initialized when it was declared it also guaranty thread safety. </a:t>
+              <a:t> is made. This guaranty that the instance will be created when needed and as it is a private static instance which is initialized when it was declared it also guaranty thread safety. Also used in two other places.</a:t>
             </a:r>
             <a:endParaRPr lang="en-US" sz="2400" dirty="0"/>
           </a:p>
@@ -5918,66 +6018,24 @@
       </p:grpSpPr>
       <p:sp>
         <p:nvSpPr>
-          <p:cNvPr id="2" name="Title 1">
-            <a:extLst>
-              <a:ext uri="{FF2B5EF4-FFF2-40B4-BE49-F238E27FC236}">
-                <a16:creationId xmlns:a16="http://schemas.microsoft.com/office/drawing/2014/main" id="{267B64F2-1009-4957-9F90-0709BB30E108}"/>
-              </a:ext>
-            </a:extLst>
-          </p:cNvPr>
-          <p:cNvSpPr>
-            <a:spLocks noGrp="1"/>
-          </p:cNvSpPr>
-          <p:nvPr>
-            <p:ph type="title"/>
+          <p:cNvPr id="3" name="Content Placeholder 2">
+            <a:extLst>
+              <a:ext uri="{FF2B5EF4-FFF2-40B4-BE49-F238E27FC236}">
+                <a16:creationId xmlns:a16="http://schemas.microsoft.com/office/drawing/2014/main" id="{2C546652-D560-4A2F-9813-A8C7FA6BF272}"/>
+              </a:ext>
+            </a:extLst>
+          </p:cNvPr>
+          <p:cNvSpPr>
+            <a:spLocks noGrp="1"/>
+          </p:cNvSpPr>
+          <p:nvPr>
+            <p:ph sz="half" idx="1"/>
           </p:nvPr>
         </p:nvSpPr>
         <p:spPr>
           <a:xfrm>
-            <a:off x="648929" y="629266"/>
-            <a:ext cx="4995126" cy="1676603"/>
-          </a:xfrm>
-        </p:spPr>
-        <p:txBody>
-          <a:bodyPr vert="horz" lIns="91440" tIns="45720" rIns="91440" bIns="45720" rtlCol="0" anchor="ctr">
-            <a:noAutofit/>
-          </a:bodyPr>
-          <a:lstStyle/>
-          <a:p>
-            <a:r>
-              <a:rPr lang="en-US" sz="2400" dirty="0">
-                <a:solidFill>
-                  <a:schemeClr val="accent5">
-                    <a:lumMod val="75000"/>
-                  </a:schemeClr>
-                </a:solidFill>
-                <a:latin typeface="Algerian" panose="04020705040A02060702" pitchFamily="82" charset="0"/>
-              </a:rPr>
-              <a:t> Library Framework</a:t>
-            </a:r>
-          </a:p>
-        </p:txBody>
-      </p:sp>
-      <p:sp>
-        <p:nvSpPr>
-          <p:cNvPr id="3" name="Content Placeholder 2">
-            <a:extLst>
-              <a:ext uri="{FF2B5EF4-FFF2-40B4-BE49-F238E27FC236}">
-                <a16:creationId xmlns:a16="http://schemas.microsoft.com/office/drawing/2014/main" id="{2C546652-D560-4A2F-9813-A8C7FA6BF272}"/>
-              </a:ext>
-            </a:extLst>
-          </p:cNvPr>
-          <p:cNvSpPr>
-            <a:spLocks noGrp="1"/>
-          </p:cNvSpPr>
-          <p:nvPr>
-            <p:ph sz="half" idx="1"/>
-          </p:nvPr>
-        </p:nvSpPr>
-        <p:spPr>
-          <a:xfrm>
-            <a:off x="648931" y="2286843"/>
-            <a:ext cx="3651466" cy="4381710"/>
+            <a:off x="648931" y="1068779"/>
+            <a:ext cx="3651466" cy="5599774"/>
           </a:xfrm>
         </p:spPr>
         <p:txBody>
@@ -5986,7 +6044,7 @@
           </a:bodyPr>
           <a:lstStyle/>
           <a:p>
-            <a:pPr marL="0" indent="0">
+            <a:pPr marL="0" indent="0" algn="just">
               <a:buNone/>
             </a:pPr>
             <a:r>
@@ -5998,6 +6056,7 @@
             </a:r>
           </a:p>
           <a:p>
+            <a:pPr algn="just"/>
             <a:r>
               <a:rPr lang="en-US" sz="2000" dirty="0">
                 <a:latin typeface="Times New Roman" panose="02020603050405020304" pitchFamily="18" charset="0"/>
@@ -6021,6 +6080,7 @@
             </a:r>
           </a:p>
           <a:p>
+            <a:pPr algn="just"/>
             <a:r>
               <a:rPr lang="en-US" sz="2000" dirty="0">
                 <a:latin typeface="Times New Roman" panose="02020603050405020304" pitchFamily="18" charset="0"/>
@@ -6144,9 +6204,10 @@
             <a:r>
               <a:rPr lang="en-US" sz="3600" dirty="0">
                 <a:solidFill>
-                  <a:srgbClr val="FF0000"/>
+                  <a:schemeClr val="accent1"/>
                 </a:solidFill>
-                <a:latin typeface="Algerian" panose="04020705040A02060702" pitchFamily="82" charset="0"/>
+                <a:latin typeface="Times New Roman" panose="02020603050405020304" pitchFamily="18" charset="0"/>
+                <a:cs typeface="Times New Roman" panose="02020603050405020304" pitchFamily="18" charset="0"/>
               </a:rPr>
               <a:t>LIBRARY FRAMEWORK</a:t>
             </a:r>
@@ -6183,9 +6244,6 @@
           <a:p>
             <a:r>
               <a:rPr lang="en-US" dirty="0">
-                <a:solidFill>
-                  <a:srgbClr val="00B0F0"/>
-                </a:solidFill>
                 <a:latin typeface="Times New Roman" panose="02020603050405020304" pitchFamily="18" charset="0"/>
                 <a:cs typeface="Times New Roman" panose="02020603050405020304" pitchFamily="18" charset="0"/>
               </a:rPr>
@@ -6195,9 +6253,6 @@
           <a:p>
             <a:r>
               <a:rPr lang="en-US" dirty="0">
-                <a:solidFill>
-                  <a:srgbClr val="00B0F0"/>
-                </a:solidFill>
                 <a:latin typeface="Times New Roman" panose="02020603050405020304" pitchFamily="18" charset="0"/>
                 <a:cs typeface="Times New Roman" panose="02020603050405020304" pitchFamily="18" charset="0"/>
               </a:rPr>
@@ -6208,9 +6263,6 @@
             <a:pPr lvl="1"/>
             <a:r>
               <a:rPr lang="en-US" dirty="0">
-                <a:solidFill>
-                  <a:srgbClr val="00B0F0"/>
-                </a:solidFill>
                 <a:latin typeface="Times New Roman" panose="02020603050405020304" pitchFamily="18" charset="0"/>
                 <a:cs typeface="Times New Roman" panose="02020603050405020304" pitchFamily="18" charset="0"/>
               </a:rPr>
@@ -6221,9 +6273,6 @@
             <a:pPr lvl="1"/>
             <a:r>
               <a:rPr lang="en-US" dirty="0">
-                <a:solidFill>
-                  <a:srgbClr val="00B0F0"/>
-                </a:solidFill>
                 <a:latin typeface="Times New Roman" panose="02020603050405020304" pitchFamily="18" charset="0"/>
                 <a:cs typeface="Times New Roman" panose="02020603050405020304" pitchFamily="18" charset="0"/>
               </a:rPr>
@@ -6234,9 +6283,6 @@
             <a:pPr lvl="1"/>
             <a:r>
               <a:rPr lang="en-US" dirty="0">
-                <a:solidFill>
-                  <a:srgbClr val="00B0F0"/>
-                </a:solidFill>
                 <a:latin typeface="Times New Roman" panose="02020603050405020304" pitchFamily="18" charset="0"/>
                 <a:cs typeface="Times New Roman" panose="02020603050405020304" pitchFamily="18" charset="0"/>
               </a:rPr>
@@ -6247,9 +6293,6 @@
             <a:pPr lvl="1"/>
             <a:r>
               <a:rPr lang="en-US" dirty="0">
-                <a:solidFill>
-                  <a:srgbClr val="00B0F0"/>
-                </a:solidFill>
                 <a:latin typeface="Times New Roman" panose="02020603050405020304" pitchFamily="18" charset="0"/>
                 <a:cs typeface="Times New Roman" panose="02020603050405020304" pitchFamily="18" charset="0"/>
               </a:rPr>
@@ -6259,32 +6302,31 @@
           <a:p>
             <a:r>
               <a:rPr lang="en-US" dirty="0">
-                <a:solidFill>
-                  <a:srgbClr val="00B0F0"/>
-                </a:solidFill>
                 <a:latin typeface="Times New Roman" panose="02020603050405020304" pitchFamily="18" charset="0"/>
                 <a:cs typeface="Times New Roman" panose="02020603050405020304" pitchFamily="18" charset="0"/>
               </a:rPr>
-              <a:t>The developer can specify which and where to save records : Flat File or Relational Database</a:t>
-            </a:r>
+              <a:t>The developer can specify which and where to save records : Flat File or Relational Database using </a:t>
+            </a:r>
+            <a:r>
+              <a:rPr lang="en-US" b="1" dirty="0" err="1"/>
+              <a:t>LibraryManager</a:t>
+            </a:r>
+            <a:endParaRPr lang="en-US" dirty="0">
+              <a:latin typeface="Times New Roman" panose="02020603050405020304" pitchFamily="18" charset="0"/>
+              <a:cs typeface="Times New Roman" panose="02020603050405020304" pitchFamily="18" charset="0"/>
+            </a:endParaRPr>
           </a:p>
           <a:p>
             <a:pPr marL="0" indent="0">
               <a:buNone/>
             </a:pPr>
             <a:endParaRPr lang="en-US" dirty="0">
-              <a:solidFill>
-                <a:srgbClr val="00B0F0"/>
-              </a:solidFill>
               <a:latin typeface="Times New Roman" panose="02020603050405020304" pitchFamily="18" charset="0"/>
               <a:cs typeface="Times New Roman" panose="02020603050405020304" pitchFamily="18" charset="0"/>
             </a:endParaRPr>
           </a:p>
           <a:p>
             <a:endParaRPr lang="en-US" dirty="0">
-              <a:solidFill>
-                <a:srgbClr val="00B0F0"/>
-              </a:solidFill>
               <a:latin typeface="Times New Roman" panose="02020603050405020304" pitchFamily="18" charset="0"/>
               <a:cs typeface="Times New Roman" panose="02020603050405020304" pitchFamily="18" charset="0"/>
             </a:endParaRPr>
@@ -6535,9 +6577,8 @@
                 <a:solidFill>
                   <a:srgbClr val="FFFFFF"/>
                 </a:solidFill>
-                <a:latin typeface="+mj-lt"/>
-                <a:ea typeface="+mj-ea"/>
-                <a:cs typeface="+mj-cs"/>
+                <a:latin typeface="Times New Roman" panose="02020603050405020304" pitchFamily="18" charset="0"/>
+                <a:cs typeface="Times New Roman" panose="02020603050405020304" pitchFamily="18" charset="0"/>
               </a:rPr>
               <a:t>Library Management System Use Case Diagram</a:t>
             </a:r>
@@ -6866,6 +6907,8 @@
                 <a:solidFill>
                   <a:srgbClr val="FFFFFF"/>
                 </a:solidFill>
+                <a:latin typeface="Times New Roman" panose="02020603050405020304" pitchFamily="18" charset="0"/>
+                <a:cs typeface="Times New Roman" panose="02020603050405020304" pitchFamily="18" charset="0"/>
               </a:rPr>
               <a:t>Library Framework Class Diagram</a:t>
             </a:r>
@@ -7003,15 +7046,16 @@
           </a:bodyPr>
           <a:lstStyle/>
           <a:p>
-            <a:pPr algn="r"/>
+            <a:pPr algn="ctr"/>
             <a:r>
               <a:rPr lang="en-US" dirty="0">
                 <a:solidFill>
                   <a:schemeClr val="accent1"/>
                 </a:solidFill>
-                <a:latin typeface="Algerian" panose="04020705040A02060702" pitchFamily="82" charset="0"/>
+                <a:latin typeface="Times New Roman" panose="02020603050405020304" pitchFamily="18" charset="0"/>
+                <a:cs typeface="Times New Roman" panose="02020603050405020304" pitchFamily="18" charset="0"/>
               </a:rPr>
-              <a:t>Patterns USED</a:t>
+              <a:t>PATTERNS USED</a:t>
             </a:r>
           </a:p>
         </p:txBody>
@@ -7360,13 +7404,12 @@
           <a:lstStyle/>
           <a:p>
             <a:r>
-              <a:rPr lang="en-US" kern="1200">
+              <a:rPr lang="en-US" kern="1200" dirty="0">
                 <a:solidFill>
                   <a:srgbClr val="FFFFFF"/>
                 </a:solidFill>
-                <a:latin typeface="+mj-lt"/>
-                <a:ea typeface="+mj-ea"/>
-                <a:cs typeface="+mj-cs"/>
+                <a:latin typeface="Times New Roman" panose="02020603050405020304" pitchFamily="18" charset="0"/>
+                <a:cs typeface="Times New Roman" panose="02020603050405020304" pitchFamily="18" charset="0"/>
               </a:rPr>
               <a:t>The Strategy Design Pattern </a:t>
             </a:r>
@@ -7529,9 +7572,10 @@
             <a:r>
               <a:rPr lang="en-US" sz="2800" dirty="0">
                 <a:solidFill>
-                  <a:srgbClr val="FF0000"/>
+                  <a:schemeClr val="tx2"/>
                 </a:solidFill>
-                <a:latin typeface="Algerian" panose="04020705040A02060702" pitchFamily="82" charset="0"/>
+                <a:latin typeface="Times New Roman" panose="02020603050405020304" pitchFamily="18" charset="0"/>
+                <a:cs typeface="Times New Roman" panose="02020603050405020304" pitchFamily="18" charset="0"/>
               </a:rPr>
               <a:t>Template Method Design Pattern</a:t>
             </a:r>
@@ -7566,6 +7610,7 @@
           </a:bodyPr>
           <a:lstStyle/>
           <a:p>
+            <a:pPr algn="just"/>
             <a:r>
               <a:rPr lang="en-US" dirty="0"/>
               <a:t>We use the load template method to offer the client the possibility to load his personal data by implementing the abstract methods in </a:t>

--- a/FinalLibraryFrameworkDesignDocument.pptx
+++ b/FinalLibraryFrameworkDesignDocument.pptx
@@ -5,24 +5,25 @@
     <p:sldMasterId id="2147483648" r:id="rId1"/>
   </p:sldMasterIdLst>
   <p:notesMasterIdLst>
-    <p:notesMasterId r:id="rId17"/>
+    <p:notesMasterId r:id="rId18"/>
   </p:notesMasterIdLst>
   <p:sldIdLst>
     <p:sldId id="265" r:id="rId2"/>
-    <p:sldId id="256" r:id="rId3"/>
-    <p:sldId id="267" r:id="rId4"/>
-    <p:sldId id="269" r:id="rId5"/>
-    <p:sldId id="268" r:id="rId6"/>
-    <p:sldId id="266" r:id="rId7"/>
-    <p:sldId id="257" r:id="rId8"/>
-    <p:sldId id="271" r:id="rId9"/>
-    <p:sldId id="272" r:id="rId10"/>
-    <p:sldId id="274" r:id="rId11"/>
-    <p:sldId id="260" r:id="rId12"/>
-    <p:sldId id="259" r:id="rId13"/>
-    <p:sldId id="261" r:id="rId14"/>
-    <p:sldId id="273" r:id="rId15"/>
-    <p:sldId id="275" r:id="rId16"/>
+    <p:sldId id="276" r:id="rId3"/>
+    <p:sldId id="256" r:id="rId4"/>
+    <p:sldId id="267" r:id="rId5"/>
+    <p:sldId id="269" r:id="rId6"/>
+    <p:sldId id="268" r:id="rId7"/>
+    <p:sldId id="266" r:id="rId8"/>
+    <p:sldId id="257" r:id="rId9"/>
+    <p:sldId id="271" r:id="rId10"/>
+    <p:sldId id="272" r:id="rId11"/>
+    <p:sldId id="274" r:id="rId12"/>
+    <p:sldId id="260" r:id="rId13"/>
+    <p:sldId id="259" r:id="rId14"/>
+    <p:sldId id="261" r:id="rId15"/>
+    <p:sldId id="273" r:id="rId16"/>
+    <p:sldId id="275" r:id="rId17"/>
   </p:sldIdLst>
   <p:sldSz cx="12192000" cy="6858000"/>
   <p:notesSz cx="6858000" cy="9144000"/>
@@ -543,7 +544,7 @@
           <a:p>
             <a:fld id="{B22FCBA4-2D9E-4AB2-8C2A-978AD6E26318}" type="slidenum">
               <a:rPr lang="en-US" smtClean="0"/>
-              <a:t>2</a:t>
+              <a:t>3</a:t>
             </a:fld>
             <a:endParaRPr lang="en-US"/>
           </a:p>
@@ -630,7 +631,7 @@
           <a:p>
             <a:fld id="{B22FCBA4-2D9E-4AB2-8C2A-978AD6E26318}" type="slidenum">
               <a:rPr lang="en-US" smtClean="0"/>
-              <a:t>6</a:t>
+              <a:t>7</a:t>
             </a:fld>
             <a:endParaRPr lang="en-US"/>
           </a:p>
@@ -714,7 +715,7 @@
           <a:p>
             <a:fld id="{B22FCBA4-2D9E-4AB2-8C2A-978AD6E26318}" type="slidenum">
               <a:rPr lang="en-US" smtClean="0"/>
-              <a:t>12</a:t>
+              <a:t>13</a:t>
             </a:fld>
             <a:endParaRPr lang="en-US"/>
           </a:p>
@@ -4600,6 +4601,159 @@
       </p:grpSpPr>
       <p:sp>
         <p:nvSpPr>
+          <p:cNvPr id="2" name="Title 1">
+            <a:extLst>
+              <a:ext uri="{FF2B5EF4-FFF2-40B4-BE49-F238E27FC236}">
+                <a16:creationId xmlns:a16="http://schemas.microsoft.com/office/drawing/2014/main" id="{1917016B-4044-4FF3-AA5C-6952699CDDF9}"/>
+              </a:ext>
+            </a:extLst>
+          </p:cNvPr>
+          <p:cNvSpPr>
+            <a:spLocks noGrp="1"/>
+          </p:cNvSpPr>
+          <p:nvPr>
+            <p:ph type="title"/>
+          </p:nvPr>
+        </p:nvSpPr>
+        <p:spPr>
+          <a:xfrm>
+            <a:off x="648929" y="629266"/>
+            <a:ext cx="3651467" cy="1676603"/>
+          </a:xfrm>
+        </p:spPr>
+        <p:txBody>
+          <a:bodyPr vert="horz" lIns="91440" tIns="45720" rIns="91440" bIns="45720" rtlCol="0" anchor="ctr">
+            <a:normAutofit/>
+          </a:bodyPr>
+          <a:lstStyle/>
+          <a:p>
+            <a:r>
+              <a:rPr lang="en-US" sz="2800" dirty="0">
+                <a:solidFill>
+                  <a:schemeClr val="tx2"/>
+                </a:solidFill>
+                <a:latin typeface="Times New Roman" panose="02020603050405020304" pitchFamily="18" charset="0"/>
+                <a:cs typeface="Times New Roman" panose="02020603050405020304" pitchFamily="18" charset="0"/>
+              </a:rPr>
+              <a:t>Template Method Design Pattern</a:t>
+            </a:r>
+          </a:p>
+        </p:txBody>
+      </p:sp>
+      <p:sp>
+        <p:nvSpPr>
+          <p:cNvPr id="3" name="Content Placeholder 2">
+            <a:extLst>
+              <a:ext uri="{FF2B5EF4-FFF2-40B4-BE49-F238E27FC236}">
+                <a16:creationId xmlns:a16="http://schemas.microsoft.com/office/drawing/2014/main" id="{20ADC37A-0E4E-4245-9B4B-CEAB80B6EB64}"/>
+              </a:ext>
+            </a:extLst>
+          </p:cNvPr>
+          <p:cNvSpPr>
+            <a:spLocks noGrp="1"/>
+          </p:cNvSpPr>
+          <p:nvPr>
+            <p:ph sz="half" idx="1"/>
+          </p:nvPr>
+        </p:nvSpPr>
+        <p:spPr>
+          <a:xfrm>
+            <a:off x="648930" y="2438400"/>
+            <a:ext cx="4362587" cy="3785419"/>
+          </a:xfrm>
+        </p:spPr>
+        <p:txBody>
+          <a:bodyPr vert="horz" lIns="91440" tIns="45720" rIns="91440" bIns="45720" rtlCol="0">
+            <a:normAutofit/>
+          </a:bodyPr>
+          <a:lstStyle/>
+          <a:p>
+            <a:pPr algn="just"/>
+            <a:r>
+              <a:rPr lang="en-US" dirty="0"/>
+              <a:t>We use the load template method to offer the client the possibility to load his personal data by implementing the abstract methods in </a:t>
+            </a:r>
+            <a:r>
+              <a:rPr lang="en-US" b="1" dirty="0" err="1"/>
+              <a:t>DataLoader</a:t>
+            </a:r>
+            <a:r>
+              <a:rPr lang="en-US" dirty="0"/>
+              <a:t>.</a:t>
+            </a:r>
+          </a:p>
+        </p:txBody>
+      </p:sp>
+      <p:pic>
+        <p:nvPicPr>
+          <p:cNvPr id="7" name="Picture 6">
+            <a:extLst>
+              <a:ext uri="{FF2B5EF4-FFF2-40B4-BE49-F238E27FC236}">
+                <a16:creationId xmlns:a16="http://schemas.microsoft.com/office/drawing/2014/main" id="{A72C9AA7-1708-4267-8970-06DA75510A42}"/>
+              </a:ext>
+            </a:extLst>
+          </p:cNvPr>
+          <p:cNvPicPr>
+            <a:picLocks noChangeAspect="1"/>
+          </p:cNvPicPr>
+          <p:nvPr/>
+        </p:nvPicPr>
+        <p:blipFill>
+          <a:blip r:embed="rId2"/>
+          <a:stretch>
+            <a:fillRect/>
+          </a:stretch>
+        </p:blipFill>
+        <p:spPr>
+          <a:xfrm>
+            <a:off x="5533709" y="559791"/>
+            <a:ext cx="6267450" cy="4667250"/>
+          </a:xfrm>
+          <a:prstGeom prst="rect">
+            <a:avLst/>
+          </a:prstGeom>
+        </p:spPr>
+      </p:pic>
+    </p:spTree>
+    <p:extLst>
+      <p:ext uri="{BB962C8B-B14F-4D97-AF65-F5344CB8AC3E}">
+        <p14:creationId xmlns:p14="http://schemas.microsoft.com/office/powerpoint/2010/main" val="994165072"/>
+      </p:ext>
+    </p:extLst>
+  </p:cSld>
+  <p:clrMapOvr>
+    <a:masterClrMapping/>
+  </p:clrMapOvr>
+</p:sld>
+</file>
+
+<file path=ppt/slides/slide11.xml><?xml version="1.0" encoding="utf-8"?>
+<p:sld xmlns:a="http://schemas.openxmlformats.org/drawingml/2006/main" xmlns:r="http://schemas.openxmlformats.org/officeDocument/2006/relationships" xmlns:p="http://schemas.openxmlformats.org/presentationml/2006/main">
+  <p:cSld>
+    <p:bg>
+      <p:bgPr>
+        <a:solidFill>
+          <a:schemeClr val="bg1"/>
+        </a:solidFill>
+        <a:effectLst/>
+      </p:bgPr>
+    </p:bg>
+    <p:spTree>
+      <p:nvGrpSpPr>
+        <p:cNvPr id="1" name=""/>
+        <p:cNvGrpSpPr/>
+        <p:nvPr/>
+      </p:nvGrpSpPr>
+      <p:grpSpPr>
+        <a:xfrm>
+          <a:off x="0" y="0"/>
+          <a:ext cx="0" cy="0"/>
+          <a:chOff x="0" y="0"/>
+          <a:chExt cx="0" cy="0"/>
+        </a:xfrm>
+      </p:grpSpPr>
+      <p:sp>
+        <p:nvSpPr>
           <p:cNvPr id="11" name="Down Arrow 7">
             <a:extLst>
               <a:ext uri="{FF2B5EF4-FFF2-40B4-BE49-F238E27FC236}">
@@ -4846,7 +5000,7 @@
 </p:sld>
 </file>
 
-<file path=ppt/slides/slide11.xml><?xml version="1.0" encoding="utf-8"?>
+<file path=ppt/slides/slide12.xml><?xml version="1.0" encoding="utf-8"?>
 <p:sld xmlns:a="http://schemas.openxmlformats.org/drawingml/2006/main" xmlns:r="http://schemas.openxmlformats.org/officeDocument/2006/relationships" xmlns:p="http://schemas.openxmlformats.org/presentationml/2006/main">
   <p:cSld>
     <p:bg>
@@ -5105,7 +5259,7 @@
 </p:sld>
 </file>
 
-<file path=ppt/slides/slide12.xml><?xml version="1.0" encoding="utf-8"?>
+<file path=ppt/slides/slide13.xml><?xml version="1.0" encoding="utf-8"?>
 <p:sld xmlns:a="http://schemas.openxmlformats.org/drawingml/2006/main" xmlns:r="http://schemas.openxmlformats.org/officeDocument/2006/relationships" xmlns:p="http://schemas.openxmlformats.org/presentationml/2006/main">
   <p:cSld>
     <p:bg>
@@ -5271,7 +5425,7 @@
 </p:sld>
 </file>
 
-<file path=ppt/slides/slide13.xml><?xml version="1.0" encoding="utf-8"?>
+<file path=ppt/slides/slide14.xml><?xml version="1.0" encoding="utf-8"?>
 <p:sld xmlns:a="http://schemas.openxmlformats.org/drawingml/2006/main" xmlns:r="http://schemas.openxmlformats.org/officeDocument/2006/relationships" xmlns:p="http://schemas.openxmlformats.org/presentationml/2006/main">
   <p:cSld>
     <p:bg>
@@ -5625,7 +5779,7 @@
 </p:sld>
 </file>
 
-<file path=ppt/slides/slide14.xml><?xml version="1.0" encoding="utf-8"?>
+<file path=ppt/slides/slide15.xml><?xml version="1.0" encoding="utf-8"?>
 <p:sld xmlns:a="http://schemas.openxmlformats.org/drawingml/2006/main" xmlns:r="http://schemas.openxmlformats.org/officeDocument/2006/relationships" xmlns:p="http://schemas.openxmlformats.org/presentationml/2006/main">
   <p:cSld>
     <p:bg>
@@ -5792,7 +5946,7 @@
 </p:sld>
 </file>
 
-<file path=ppt/slides/slide15.xml><?xml version="1.0" encoding="utf-8"?>
+<file path=ppt/slides/slide16.xml><?xml version="1.0" encoding="utf-8"?>
 <p:sld xmlns:a="http://schemas.openxmlformats.org/drawingml/2006/main" xmlns:r="http://schemas.openxmlformats.org/officeDocument/2006/relationships" xmlns:p="http://schemas.openxmlformats.org/presentationml/2006/main">
   <p:cSld>
     <p:bg>
@@ -6018,6 +6172,779 @@
       </p:grpSpPr>
       <p:sp>
         <p:nvSpPr>
+          <p:cNvPr id="14" name="Freeform: Shape 10">
+            <a:extLst>
+              <a:ext uri="{FF2B5EF4-FFF2-40B4-BE49-F238E27FC236}">
+                <a16:creationId xmlns:a16="http://schemas.microsoft.com/office/drawing/2014/main" id="{F60FCA6E-0894-46CD-BD49-5955A51E0084}"/>
+              </a:ext>
+              <a:ext uri="{C183D7F6-B498-43B3-948B-1728B52AA6E4}">
+                <adec:decorative xmlns:adec="http://schemas.microsoft.com/office/drawing/2017/decorative" val="1"/>
+              </a:ext>
+            </a:extLst>
+          </p:cNvPr>
+          <p:cNvSpPr>
+            <a:spLocks noGrp="1" noRot="1" noChangeAspect="1" noMove="1" noResize="1" noEditPoints="1" noAdjustHandles="1" noChangeArrowheads="1" noChangeShapeType="1" noTextEdit="1"/>
+          </p:cNvSpPr>
+          <p:nvPr>
+            <p:extLst>
+              <p:ext uri="{386F3935-93C4-4BCD-93E2-E3B085C9AB24}">
+                <p16:designElem xmlns:p16="http://schemas.microsoft.com/office/powerpoint/2015/main" val="1"/>
+              </p:ext>
+            </p:extLst>
+          </p:nvPr>
+        </p:nvSpPr>
+        <p:spPr>
+          <a:xfrm>
+            <a:off x="6831955" y="5346696"/>
+            <a:ext cx="5360045" cy="1511304"/>
+          </a:xfrm>
+          <a:custGeom>
+            <a:avLst/>
+            <a:gdLst>
+              <a:gd name="connsiteX0" fmla="*/ 4545473 w 5360045"/>
+              <a:gd name="connsiteY0" fmla="*/ 0 h 1511304"/>
+              <a:gd name="connsiteX1" fmla="*/ 5360045 w 5360045"/>
+              <a:gd name="connsiteY1" fmla="*/ 0 h 1511304"/>
+              <a:gd name="connsiteX2" fmla="*/ 5360045 w 5360045"/>
+              <a:gd name="connsiteY2" fmla="*/ 1046730 h 1511304"/>
+              <a:gd name="connsiteX3" fmla="*/ 5360045 w 5360045"/>
+              <a:gd name="connsiteY3" fmla="*/ 1508760 h 1511304"/>
+              <a:gd name="connsiteX4" fmla="*/ 5360045 w 5360045"/>
+              <a:gd name="connsiteY4" fmla="*/ 1511304 h 1511304"/>
+              <a:gd name="connsiteX5" fmla="*/ 4545474 w 5360045"/>
+              <a:gd name="connsiteY5" fmla="*/ 1511304 h 1511304"/>
+              <a:gd name="connsiteX6" fmla="*/ 2525897 w 5360045"/>
+              <a:gd name="connsiteY6" fmla="*/ 1511304 h 1511304"/>
+              <a:gd name="connsiteX7" fmla="*/ 0 w 5360045"/>
+              <a:gd name="connsiteY7" fmla="*/ 1511304 h 1511304"/>
+              <a:gd name="connsiteX8" fmla="*/ 697617 w 5360045"/>
+              <a:gd name="connsiteY8" fmla="*/ 3 h 1511304"/>
+              <a:gd name="connsiteX9" fmla="*/ 4545473 w 5360045"/>
+              <a:gd name="connsiteY9" fmla="*/ 3 h 1511304"/>
+            </a:gdLst>
+            <a:ahLst/>
+            <a:cxnLst>
+              <a:cxn ang="0">
+                <a:pos x="connsiteX0" y="connsiteY0"/>
+              </a:cxn>
+              <a:cxn ang="0">
+                <a:pos x="connsiteX1" y="connsiteY1"/>
+              </a:cxn>
+              <a:cxn ang="0">
+                <a:pos x="connsiteX2" y="connsiteY2"/>
+              </a:cxn>
+              <a:cxn ang="0">
+                <a:pos x="connsiteX3" y="connsiteY3"/>
+              </a:cxn>
+              <a:cxn ang="0">
+                <a:pos x="connsiteX4" y="connsiteY4"/>
+              </a:cxn>
+              <a:cxn ang="0">
+                <a:pos x="connsiteX5" y="connsiteY5"/>
+              </a:cxn>
+              <a:cxn ang="0">
+                <a:pos x="connsiteX6" y="connsiteY6"/>
+              </a:cxn>
+              <a:cxn ang="0">
+                <a:pos x="connsiteX7" y="connsiteY7"/>
+              </a:cxn>
+              <a:cxn ang="0">
+                <a:pos x="connsiteX8" y="connsiteY8"/>
+              </a:cxn>
+              <a:cxn ang="0">
+                <a:pos x="connsiteX9" y="connsiteY9"/>
+              </a:cxn>
+            </a:cxnLst>
+            <a:rect l="l" t="t" r="r" b="b"/>
+            <a:pathLst>
+              <a:path w="5360045" h="1511304">
+                <a:moveTo>
+                  <a:pt x="4545473" y="0"/>
+                </a:moveTo>
+                <a:lnTo>
+                  <a:pt x="5360045" y="0"/>
+                </a:lnTo>
+                <a:lnTo>
+                  <a:pt x="5360045" y="1046730"/>
+                </a:lnTo>
+                <a:lnTo>
+                  <a:pt x="5360045" y="1508760"/>
+                </a:lnTo>
+                <a:lnTo>
+                  <a:pt x="5360045" y="1511304"/>
+                </a:lnTo>
+                <a:lnTo>
+                  <a:pt x="4545474" y="1511304"/>
+                </a:lnTo>
+                <a:lnTo>
+                  <a:pt x="2525897" y="1511304"/>
+                </a:lnTo>
+                <a:lnTo>
+                  <a:pt x="0" y="1511304"/>
+                </a:lnTo>
+                <a:lnTo>
+                  <a:pt x="697617" y="3"/>
+                </a:lnTo>
+                <a:lnTo>
+                  <a:pt x="4545473" y="3"/>
+                </a:lnTo>
+                <a:close/>
+              </a:path>
+            </a:pathLst>
+          </a:custGeom>
+          <a:solidFill>
+            <a:srgbClr val="404040">
+              <a:alpha val="84706"/>
+            </a:srgbClr>
+          </a:solidFill>
+          <a:ln>
+            <a:noFill/>
+          </a:ln>
+        </p:spPr>
+        <p:style>
+          <a:lnRef idx="2">
+            <a:schemeClr val="accent1">
+              <a:shade val="50000"/>
+            </a:schemeClr>
+          </a:lnRef>
+          <a:fillRef idx="1">
+            <a:schemeClr val="accent1"/>
+          </a:fillRef>
+          <a:effectRef idx="0">
+            <a:schemeClr val="accent1"/>
+          </a:effectRef>
+          <a:fontRef idx="minor">
+            <a:schemeClr val="lt1"/>
+          </a:fontRef>
+        </p:style>
+        <p:txBody>
+          <a:bodyPr wrap="square" rtlCol="0" anchor="ctr">
+            <a:noAutofit/>
+          </a:bodyPr>
+          <a:lstStyle/>
+          <a:p>
+            <a:pPr algn="ctr"/>
+            <a:endParaRPr lang="en-US"/>
+          </a:p>
+        </p:txBody>
+      </p:sp>
+      <p:sp>
+        <p:nvSpPr>
+          <p:cNvPr id="13" name="Freeform: Shape 12">
+            <a:extLst>
+              <a:ext uri="{FF2B5EF4-FFF2-40B4-BE49-F238E27FC236}">
+                <a16:creationId xmlns:a16="http://schemas.microsoft.com/office/drawing/2014/main" id="{E78C6E4B-A1F1-4B6C-97EC-BE997495D6AC}"/>
+              </a:ext>
+              <a:ext uri="{C183D7F6-B498-43B3-948B-1728B52AA6E4}">
+                <adec:decorative xmlns:adec="http://schemas.microsoft.com/office/drawing/2017/decorative" val="1"/>
+              </a:ext>
+            </a:extLst>
+          </p:cNvPr>
+          <p:cNvSpPr>
+            <a:spLocks noGrp="1" noRot="1" noChangeAspect="1" noMove="1" noResize="1" noEditPoints="1" noAdjustHandles="1" noChangeArrowheads="1" noChangeShapeType="1" noTextEdit="1"/>
+          </p:cNvSpPr>
+          <p:nvPr>
+            <p:extLst>
+              <p:ext uri="{386F3935-93C4-4BCD-93E2-E3B085C9AB24}">
+                <p16:designElem xmlns:p16="http://schemas.microsoft.com/office/powerpoint/2015/main" val="1"/>
+              </p:ext>
+            </p:extLst>
+          </p:nvPr>
+        </p:nvSpPr>
+        <p:spPr>
+          <a:xfrm>
+            <a:off x="0" y="5346694"/>
+            <a:ext cx="7346605" cy="1511306"/>
+          </a:xfrm>
+          <a:custGeom>
+            <a:avLst/>
+            <a:gdLst>
+              <a:gd name="connsiteX0" fmla="*/ 0 w 7346605"/>
+              <a:gd name="connsiteY0" fmla="*/ 0 h 1511306"/>
+              <a:gd name="connsiteX1" fmla="*/ 239486 w 7346605"/>
+              <a:gd name="connsiteY1" fmla="*/ 0 h 1511306"/>
+              <a:gd name="connsiteX2" fmla="*/ 1209568 w 7346605"/>
+              <a:gd name="connsiteY2" fmla="*/ 0 h 1511306"/>
+              <a:gd name="connsiteX3" fmla="*/ 2405743 w 7346605"/>
+              <a:gd name="connsiteY3" fmla="*/ 0 h 1511306"/>
+              <a:gd name="connsiteX4" fmla="*/ 2405743 w 7346605"/>
+              <a:gd name="connsiteY4" fmla="*/ 2544 h 1511306"/>
+              <a:gd name="connsiteX5" fmla="*/ 2801131 w 7346605"/>
+              <a:gd name="connsiteY5" fmla="*/ 2544 h 1511306"/>
+              <a:gd name="connsiteX6" fmla="*/ 2801131 w 7346605"/>
+              <a:gd name="connsiteY6" fmla="*/ 0 h 1511306"/>
+              <a:gd name="connsiteX7" fmla="*/ 7346605 w 7346605"/>
+              <a:gd name="connsiteY7" fmla="*/ 0 h 1511306"/>
+              <a:gd name="connsiteX8" fmla="*/ 6648988 w 7346605"/>
+              <a:gd name="connsiteY8" fmla="*/ 1511301 h 1511306"/>
+              <a:gd name="connsiteX9" fmla="*/ 2801132 w 7346605"/>
+              <a:gd name="connsiteY9" fmla="*/ 1511301 h 1511306"/>
+              <a:gd name="connsiteX10" fmla="*/ 2801132 w 7346605"/>
+              <a:gd name="connsiteY10" fmla="*/ 1511304 h 1511306"/>
+              <a:gd name="connsiteX11" fmla="*/ 2405743 w 7346605"/>
+              <a:gd name="connsiteY11" fmla="*/ 1511304 h 1511306"/>
+              <a:gd name="connsiteX12" fmla="*/ 2405743 w 7346605"/>
+              <a:gd name="connsiteY12" fmla="*/ 1511306 h 1511306"/>
+              <a:gd name="connsiteX13" fmla="*/ 1333411 w 7346605"/>
+              <a:gd name="connsiteY13" fmla="*/ 1511306 h 1511306"/>
+              <a:gd name="connsiteX14" fmla="*/ 1219208 w 7346605"/>
+              <a:gd name="connsiteY14" fmla="*/ 1511306 h 1511306"/>
+              <a:gd name="connsiteX15" fmla="*/ 1209568 w 7346605"/>
+              <a:gd name="connsiteY15" fmla="*/ 1511306 h 1511306"/>
+              <a:gd name="connsiteX16" fmla="*/ 239486 w 7346605"/>
+              <a:gd name="connsiteY16" fmla="*/ 1511306 h 1511306"/>
+              <a:gd name="connsiteX17" fmla="*/ 0 w 7346605"/>
+              <a:gd name="connsiteY17" fmla="*/ 1511306 h 1511306"/>
+            </a:gdLst>
+            <a:ahLst/>
+            <a:cxnLst>
+              <a:cxn ang="0">
+                <a:pos x="connsiteX0" y="connsiteY0"/>
+              </a:cxn>
+              <a:cxn ang="0">
+                <a:pos x="connsiteX1" y="connsiteY1"/>
+              </a:cxn>
+              <a:cxn ang="0">
+                <a:pos x="connsiteX2" y="connsiteY2"/>
+              </a:cxn>
+              <a:cxn ang="0">
+                <a:pos x="connsiteX3" y="connsiteY3"/>
+              </a:cxn>
+              <a:cxn ang="0">
+                <a:pos x="connsiteX4" y="connsiteY4"/>
+              </a:cxn>
+              <a:cxn ang="0">
+                <a:pos x="connsiteX5" y="connsiteY5"/>
+              </a:cxn>
+              <a:cxn ang="0">
+                <a:pos x="connsiteX6" y="connsiteY6"/>
+              </a:cxn>
+              <a:cxn ang="0">
+                <a:pos x="connsiteX7" y="connsiteY7"/>
+              </a:cxn>
+              <a:cxn ang="0">
+                <a:pos x="connsiteX8" y="connsiteY8"/>
+              </a:cxn>
+              <a:cxn ang="0">
+                <a:pos x="connsiteX9" y="connsiteY9"/>
+              </a:cxn>
+              <a:cxn ang="0">
+                <a:pos x="connsiteX10" y="connsiteY10"/>
+              </a:cxn>
+              <a:cxn ang="0">
+                <a:pos x="connsiteX11" y="connsiteY11"/>
+              </a:cxn>
+              <a:cxn ang="0">
+                <a:pos x="connsiteX12" y="connsiteY12"/>
+              </a:cxn>
+              <a:cxn ang="0">
+                <a:pos x="connsiteX13" y="connsiteY13"/>
+              </a:cxn>
+              <a:cxn ang="0">
+                <a:pos x="connsiteX14" y="connsiteY14"/>
+              </a:cxn>
+              <a:cxn ang="0">
+                <a:pos x="connsiteX15" y="connsiteY15"/>
+              </a:cxn>
+              <a:cxn ang="0">
+                <a:pos x="connsiteX16" y="connsiteY16"/>
+              </a:cxn>
+              <a:cxn ang="0">
+                <a:pos x="connsiteX17" y="connsiteY17"/>
+              </a:cxn>
+            </a:cxnLst>
+            <a:rect l="l" t="t" r="r" b="b"/>
+            <a:pathLst>
+              <a:path w="7346605" h="1511306">
+                <a:moveTo>
+                  <a:pt x="0" y="0"/>
+                </a:moveTo>
+                <a:lnTo>
+                  <a:pt x="239486" y="0"/>
+                </a:lnTo>
+                <a:lnTo>
+                  <a:pt x="1209568" y="0"/>
+                </a:lnTo>
+                <a:lnTo>
+                  <a:pt x="2405743" y="0"/>
+                </a:lnTo>
+                <a:lnTo>
+                  <a:pt x="2405743" y="2544"/>
+                </a:lnTo>
+                <a:lnTo>
+                  <a:pt x="2801131" y="2544"/>
+                </a:lnTo>
+                <a:lnTo>
+                  <a:pt x="2801131" y="0"/>
+                </a:lnTo>
+                <a:lnTo>
+                  <a:pt x="7346605" y="0"/>
+                </a:lnTo>
+                <a:lnTo>
+                  <a:pt x="6648988" y="1511301"/>
+                </a:lnTo>
+                <a:lnTo>
+                  <a:pt x="2801132" y="1511301"/>
+                </a:lnTo>
+                <a:lnTo>
+                  <a:pt x="2801132" y="1511304"/>
+                </a:lnTo>
+                <a:lnTo>
+                  <a:pt x="2405743" y="1511304"/>
+                </a:lnTo>
+                <a:lnTo>
+                  <a:pt x="2405743" y="1511306"/>
+                </a:lnTo>
+                <a:lnTo>
+                  <a:pt x="1333411" y="1511306"/>
+                </a:lnTo>
+                <a:lnTo>
+                  <a:pt x="1219208" y="1511306"/>
+                </a:lnTo>
+                <a:lnTo>
+                  <a:pt x="1209568" y="1511306"/>
+                </a:lnTo>
+                <a:lnTo>
+                  <a:pt x="239486" y="1511306"/>
+                </a:lnTo>
+                <a:lnTo>
+                  <a:pt x="0" y="1511306"/>
+                </a:lnTo>
+                <a:close/>
+              </a:path>
+            </a:pathLst>
+          </a:custGeom>
+          <a:solidFill>
+            <a:srgbClr val="D0CECE"/>
+          </a:solidFill>
+          <a:ln>
+            <a:noFill/>
+          </a:ln>
+        </p:spPr>
+        <p:style>
+          <a:lnRef idx="2">
+            <a:schemeClr val="accent1">
+              <a:shade val="50000"/>
+            </a:schemeClr>
+          </a:lnRef>
+          <a:fillRef idx="1">
+            <a:schemeClr val="accent1"/>
+          </a:fillRef>
+          <a:effectRef idx="0">
+            <a:schemeClr val="accent1"/>
+          </a:effectRef>
+          <a:fontRef idx="minor">
+            <a:schemeClr val="lt1"/>
+          </a:fontRef>
+        </p:style>
+        <p:txBody>
+          <a:bodyPr rtlCol="0" anchor="ctr"/>
+          <a:lstStyle/>
+          <a:p>
+            <a:pPr algn="ctr"/>
+            <a:endParaRPr lang="en-US">
+              <a:solidFill>
+                <a:schemeClr val="bg1">
+                  <a:lumMod val="95000"/>
+                </a:schemeClr>
+              </a:solidFill>
+            </a:endParaRPr>
+          </a:p>
+        </p:txBody>
+      </p:sp>
+      <p:sp>
+        <p:nvSpPr>
+          <p:cNvPr id="2" name="Title 1">
+            <a:extLst>
+              <a:ext uri="{FF2B5EF4-FFF2-40B4-BE49-F238E27FC236}">
+                <a16:creationId xmlns:a16="http://schemas.microsoft.com/office/drawing/2014/main" id="{BDE32E38-E43F-4F8D-AF25-F4C8C5FA1A8C}"/>
+              </a:ext>
+            </a:extLst>
+          </p:cNvPr>
+          <p:cNvSpPr>
+            <a:spLocks noGrp="1"/>
+          </p:cNvSpPr>
+          <p:nvPr>
+            <p:ph type="title"/>
+          </p:nvPr>
+        </p:nvSpPr>
+        <p:spPr>
+          <a:xfrm>
+            <a:off x="950121" y="5529884"/>
+            <a:ext cx="5693783" cy="1096331"/>
+          </a:xfrm>
+        </p:spPr>
+        <p:txBody>
+          <a:bodyPr vert="horz" lIns="91440" tIns="45720" rIns="91440" bIns="45720" rtlCol="0" anchor="ctr">
+            <a:normAutofit/>
+          </a:bodyPr>
+          <a:lstStyle/>
+          <a:p>
+            <a:r>
+              <a:rPr lang="en-US" sz="4000" kern="1200" dirty="0">
+                <a:solidFill>
+                  <a:srgbClr val="303030"/>
+                </a:solidFill>
+                <a:latin typeface="+mj-lt"/>
+                <a:ea typeface="+mj-ea"/>
+                <a:cs typeface="+mj-cs"/>
+              </a:rPr>
+              <a:t>GROUP ONE</a:t>
+            </a:r>
+          </a:p>
+        </p:txBody>
+      </p:sp>
+      <p:pic>
+        <p:nvPicPr>
+          <p:cNvPr id="6" name="Content Placeholder 5">
+            <a:extLst>
+              <a:ext uri="{FF2B5EF4-FFF2-40B4-BE49-F238E27FC236}">
+                <a16:creationId xmlns:a16="http://schemas.microsoft.com/office/drawing/2014/main" id="{35632B08-F9C2-4768-9C15-56E83376A783}"/>
+              </a:ext>
+            </a:extLst>
+          </p:cNvPr>
+          <p:cNvPicPr>
+            <a:picLocks noGrp="1" noChangeAspect="1"/>
+          </p:cNvPicPr>
+          <p:nvPr>
+            <p:ph sz="half" idx="1"/>
+          </p:nvPr>
+        </p:nvPicPr>
+        <p:blipFill>
+          <a:blip r:embed="rId2">
+            <a:extLst>
+              <a:ext uri="{28A0092B-C50C-407E-A947-70E740481C1C}">
+                <a14:useLocalDpi xmlns:a14="http://schemas.microsoft.com/office/drawing/2010/main" val="0"/>
+              </a:ext>
+            </a:extLst>
+          </a:blip>
+          <a:srcRect/>
+          <a:stretch/>
+        </p:blipFill>
+        <p:spPr>
+          <a:xfrm>
+            <a:off x="1086546" y="1046710"/>
+            <a:ext cx="5668217" cy="3826047"/>
+          </a:xfrm>
+          <a:prstGeom prst="rect">
+            <a:avLst/>
+          </a:prstGeom>
+        </p:spPr>
+      </p:pic>
+      <p:sp>
+        <p:nvSpPr>
+          <p:cNvPr id="4" name="Content Placeholder 3">
+            <a:extLst>
+              <a:ext uri="{FF2B5EF4-FFF2-40B4-BE49-F238E27FC236}">
+                <a16:creationId xmlns:a16="http://schemas.microsoft.com/office/drawing/2014/main" id="{F5687C6A-3E0F-4C81-ABC6-A55E7CFD7026}"/>
+              </a:ext>
+            </a:extLst>
+          </p:cNvPr>
+          <p:cNvSpPr>
+            <a:spLocks noGrp="1"/>
+          </p:cNvSpPr>
+          <p:nvPr>
+            <p:ph sz="half" idx="2"/>
+          </p:nvPr>
+        </p:nvSpPr>
+        <p:spPr>
+          <a:xfrm>
+            <a:off x="6698864" y="111143"/>
+            <a:ext cx="4843893" cy="5147919"/>
+          </a:xfrm>
+        </p:spPr>
+        <p:txBody>
+          <a:bodyPr vert="horz" lIns="91440" tIns="45720" rIns="91440" bIns="45720" rtlCol="0" anchor="ctr">
+            <a:normAutofit lnSpcReduction="10000"/>
+          </a:bodyPr>
+          <a:lstStyle/>
+          <a:p>
+            <a:pPr>
+              <a:buFont typeface="Wingdings" panose="05000000000000000000" pitchFamily="2" charset="2"/>
+              <a:buChar char="v"/>
+            </a:pPr>
+            <a:r>
+              <a:rPr lang="en-US" sz="2000" b="1" dirty="0"/>
+              <a:t>Application design</a:t>
+            </a:r>
+          </a:p>
+          <a:p>
+            <a:pPr lvl="1">
+              <a:buFont typeface="Wingdings" panose="05000000000000000000" pitchFamily="2" charset="2"/>
+              <a:buChar char="v"/>
+            </a:pPr>
+            <a:r>
+              <a:rPr lang="en-US" sz="1600" dirty="0"/>
+              <a:t>Emmanuel Cadet</a:t>
+            </a:r>
+            <a:endParaRPr lang="en-US" sz="1200" dirty="0"/>
+          </a:p>
+          <a:p>
+            <a:pPr lvl="1">
+              <a:buFont typeface="Wingdings" panose="05000000000000000000" pitchFamily="2" charset="2"/>
+              <a:buChar char="v"/>
+            </a:pPr>
+            <a:r>
+              <a:rPr lang="en-US" sz="1600" dirty="0" err="1"/>
+              <a:t>Musiliu</a:t>
+            </a:r>
+            <a:r>
+              <a:rPr lang="en-US" sz="1600" dirty="0"/>
+              <a:t> Adeniyi Bolaji</a:t>
+            </a:r>
+          </a:p>
+          <a:p>
+            <a:pPr lvl="1">
+              <a:buFont typeface="Wingdings" panose="05000000000000000000" pitchFamily="2" charset="2"/>
+              <a:buChar char="v"/>
+            </a:pPr>
+            <a:r>
+              <a:rPr lang="en-US" sz="1600" dirty="0"/>
+              <a:t>Aaron </a:t>
+            </a:r>
+            <a:r>
+              <a:rPr lang="en-US" sz="1600" dirty="0" err="1"/>
+              <a:t>Gezai</a:t>
+            </a:r>
+            <a:endParaRPr lang="en-US" sz="1600" dirty="0"/>
+          </a:p>
+          <a:p>
+            <a:pPr>
+              <a:buFont typeface="Wingdings" panose="05000000000000000000" pitchFamily="2" charset="2"/>
+              <a:buChar char="v"/>
+            </a:pPr>
+            <a:r>
+              <a:rPr lang="en-US" sz="2000" b="1" dirty="0"/>
+              <a:t>Framework design</a:t>
+            </a:r>
+          </a:p>
+          <a:p>
+            <a:pPr lvl="1">
+              <a:buFont typeface="Wingdings" panose="05000000000000000000" pitchFamily="2" charset="2"/>
+              <a:buChar char="v"/>
+            </a:pPr>
+            <a:r>
+              <a:rPr lang="en-US" sz="1600" dirty="0"/>
+              <a:t>Emmanuel Cadet	</a:t>
+            </a:r>
+          </a:p>
+          <a:p>
+            <a:pPr lvl="1">
+              <a:buFont typeface="Wingdings" panose="05000000000000000000" pitchFamily="2" charset="2"/>
+              <a:buChar char="v"/>
+            </a:pPr>
+            <a:r>
+              <a:rPr lang="en-US" sz="1600" dirty="0" err="1"/>
+              <a:t>Musiliu</a:t>
+            </a:r>
+            <a:r>
+              <a:rPr lang="en-US" sz="1600" dirty="0"/>
+              <a:t> Adeniyi Bolaji</a:t>
+            </a:r>
+          </a:p>
+          <a:p>
+            <a:pPr lvl="1">
+              <a:buFont typeface="Wingdings" panose="05000000000000000000" pitchFamily="2" charset="2"/>
+              <a:buChar char="v"/>
+            </a:pPr>
+            <a:r>
+              <a:rPr lang="en-US" sz="1600" dirty="0"/>
+              <a:t>Aaron </a:t>
+            </a:r>
+            <a:r>
+              <a:rPr lang="en-US" sz="1600" dirty="0" err="1"/>
+              <a:t>Gezai</a:t>
+            </a:r>
+            <a:endParaRPr lang="en-US" sz="1600" dirty="0"/>
+          </a:p>
+          <a:p>
+            <a:pPr>
+              <a:buFont typeface="Wingdings" panose="05000000000000000000" pitchFamily="2" charset="2"/>
+              <a:buChar char="v"/>
+            </a:pPr>
+            <a:r>
+              <a:rPr lang="en-US" sz="2000" b="1" dirty="0"/>
+              <a:t>Coding</a:t>
+            </a:r>
+          </a:p>
+          <a:p>
+            <a:pPr lvl="1">
+              <a:buFont typeface="Wingdings" panose="05000000000000000000" pitchFamily="2" charset="2"/>
+              <a:buChar char="v"/>
+            </a:pPr>
+            <a:r>
+              <a:rPr lang="en-US" sz="1600" dirty="0"/>
+              <a:t>Emmanuel Cadet</a:t>
+            </a:r>
+          </a:p>
+          <a:p>
+            <a:pPr lvl="1">
+              <a:buFont typeface="Wingdings" panose="05000000000000000000" pitchFamily="2" charset="2"/>
+              <a:buChar char="v"/>
+            </a:pPr>
+            <a:r>
+              <a:rPr lang="en-US" sz="1600" dirty="0" err="1"/>
+              <a:t>Musiliu</a:t>
+            </a:r>
+            <a:r>
+              <a:rPr lang="en-US" sz="1600" dirty="0"/>
+              <a:t> </a:t>
+            </a:r>
+            <a:r>
+              <a:rPr lang="en-US" sz="1600" dirty="0" err="1"/>
+              <a:t>Adenyi</a:t>
+            </a:r>
+            <a:r>
+              <a:rPr lang="en-US" sz="1600" dirty="0"/>
+              <a:t> Bolaji</a:t>
+            </a:r>
+          </a:p>
+          <a:p>
+            <a:pPr>
+              <a:buFont typeface="Wingdings" panose="05000000000000000000" pitchFamily="2" charset="2"/>
+              <a:buChar char="v"/>
+            </a:pPr>
+            <a:r>
+              <a:rPr lang="en-US" sz="2000" b="1" dirty="0"/>
+              <a:t>Presentation document</a:t>
+            </a:r>
+          </a:p>
+          <a:p>
+            <a:pPr lvl="1">
+              <a:buFont typeface="Wingdings" panose="05000000000000000000" pitchFamily="2" charset="2"/>
+              <a:buChar char="v"/>
+            </a:pPr>
+            <a:r>
+              <a:rPr lang="en-US" sz="1600" dirty="0"/>
+              <a:t>Emmanuel Cadet</a:t>
+            </a:r>
+          </a:p>
+          <a:p>
+            <a:pPr lvl="1">
+              <a:buFont typeface="Wingdings" panose="05000000000000000000" pitchFamily="2" charset="2"/>
+              <a:buChar char="v"/>
+            </a:pPr>
+            <a:r>
+              <a:rPr lang="en-US" sz="1600" dirty="0" err="1"/>
+              <a:t>Musiliu</a:t>
+            </a:r>
+            <a:r>
+              <a:rPr lang="en-US" sz="1600" dirty="0"/>
+              <a:t> Adeni Bolaji</a:t>
+            </a:r>
+          </a:p>
+          <a:p>
+            <a:pPr lvl="1">
+              <a:buFont typeface="Wingdings" panose="05000000000000000000" pitchFamily="2" charset="2"/>
+              <a:buChar char="v"/>
+            </a:pPr>
+            <a:r>
+              <a:rPr lang="en-US" sz="1600" dirty="0"/>
+              <a:t>Aaron </a:t>
+            </a:r>
+            <a:r>
+              <a:rPr lang="en-US" sz="1600" dirty="0" err="1"/>
+              <a:t>Gezai</a:t>
+            </a:r>
+            <a:br>
+              <a:rPr lang="en-US" sz="1600" dirty="0"/>
+            </a:br>
+            <a:r>
+              <a:rPr lang="en-US" sz="1600" dirty="0"/>
+              <a:t>	</a:t>
+            </a:r>
+            <a:br>
+              <a:rPr lang="en-US" sz="1600" dirty="0"/>
+            </a:br>
+            <a:endParaRPr lang="en-US" sz="2000" dirty="0"/>
+          </a:p>
+        </p:txBody>
+      </p:sp>
+      <p:sp>
+        <p:nvSpPr>
+          <p:cNvPr id="3" name="TextBox 2">
+            <a:extLst>
+              <a:ext uri="{FF2B5EF4-FFF2-40B4-BE49-F238E27FC236}">
+                <a16:creationId xmlns:a16="http://schemas.microsoft.com/office/drawing/2014/main" id="{D14B98FA-24B0-4BFF-AA31-159EA14B0C4D}"/>
+              </a:ext>
+            </a:extLst>
+          </p:cNvPr>
+          <p:cNvSpPr txBox="1"/>
+          <p:nvPr/>
+        </p:nvSpPr>
+        <p:spPr>
+          <a:xfrm>
+            <a:off x="783771" y="352542"/>
+            <a:ext cx="6107417" cy="646331"/>
+          </a:xfrm>
+          <a:prstGeom prst="rect">
+            <a:avLst/>
+          </a:prstGeom>
+          <a:noFill/>
+        </p:spPr>
+        <p:txBody>
+          <a:bodyPr wrap="square" rtlCol="0">
+            <a:spAutoFit/>
+          </a:bodyPr>
+          <a:lstStyle/>
+          <a:p>
+            <a:pPr algn="ctr"/>
+            <a:r>
+              <a:rPr lang="en-US" sz="3600" b="1" dirty="0">
+                <a:solidFill>
+                  <a:schemeClr val="accent5">
+                    <a:lumMod val="75000"/>
+                  </a:schemeClr>
+                </a:solidFill>
+                <a:latin typeface="Times New Roman" panose="02020603050405020304" pitchFamily="18" charset="0"/>
+                <a:cs typeface="Times New Roman" panose="02020603050405020304" pitchFamily="18" charset="0"/>
+              </a:rPr>
+              <a:t>Tasks assignment</a:t>
+            </a:r>
+            <a:endParaRPr lang="en-US" sz="3600" dirty="0"/>
+          </a:p>
+        </p:txBody>
+      </p:sp>
+    </p:spTree>
+    <p:extLst>
+      <p:ext uri="{BB962C8B-B14F-4D97-AF65-F5344CB8AC3E}">
+        <p14:creationId xmlns:p14="http://schemas.microsoft.com/office/powerpoint/2010/main" val="2076521974"/>
+      </p:ext>
+    </p:extLst>
+  </p:cSld>
+  <p:clrMapOvr>
+    <a:masterClrMapping/>
+  </p:clrMapOvr>
+</p:sld>
+</file>
+
+<file path=ppt/slides/slide3.xml><?xml version="1.0" encoding="utf-8"?>
+<p:sld xmlns:a="http://schemas.openxmlformats.org/drawingml/2006/main" xmlns:r="http://schemas.openxmlformats.org/officeDocument/2006/relationships" xmlns:p="http://schemas.openxmlformats.org/presentationml/2006/main">
+  <p:cSld>
+    <p:bg>
+      <p:bgPr>
+        <a:solidFill>
+          <a:schemeClr val="bg1"/>
+        </a:solidFill>
+        <a:effectLst/>
+      </p:bgPr>
+    </p:bg>
+    <p:spTree>
+      <p:nvGrpSpPr>
+        <p:cNvPr id="1" name=""/>
+        <p:cNvGrpSpPr/>
+        <p:nvPr/>
+      </p:nvGrpSpPr>
+      <p:grpSpPr>
+        <a:xfrm>
+          <a:off x="0" y="0"/>
+          <a:ext cx="0" cy="0"/>
+          <a:chOff x="0" y="0"/>
+          <a:chExt cx="0" cy="0"/>
+        </a:xfrm>
+      </p:grpSpPr>
+      <p:sp>
+        <p:nvSpPr>
           <p:cNvPr id="3" name="Content Placeholder 2">
             <a:extLst>
               <a:ext uri="{FF2B5EF4-FFF2-40B4-BE49-F238E27FC236}">
@@ -6156,7 +7083,7 @@
 </p:sld>
 </file>
 
-<file path=ppt/slides/slide3.xml><?xml version="1.0" encoding="utf-8"?>
+<file path=ppt/slides/slide4.xml><?xml version="1.0" encoding="utf-8"?>
 <p:sld xmlns:a="http://schemas.openxmlformats.org/drawingml/2006/main" xmlns:r="http://schemas.openxmlformats.org/officeDocument/2006/relationships" xmlns:p="http://schemas.openxmlformats.org/presentationml/2006/main">
   <p:cSld>
     <p:spTree>
@@ -6381,7 +7308,7 @@
 </p:sld>
 </file>
 
-<file path=ppt/slides/slide4.xml><?xml version="1.0" encoding="utf-8"?>
+<file path=ppt/slides/slide5.xml><?xml version="1.0" encoding="utf-8"?>
 <p:sld xmlns:a="http://schemas.openxmlformats.org/drawingml/2006/main" xmlns:r="http://schemas.openxmlformats.org/officeDocument/2006/relationships" xmlns:p="http://schemas.openxmlformats.org/presentationml/2006/main">
   <p:cSld>
     <p:bg>
@@ -6630,7 +7557,7 @@
 </p:sld>
 </file>
 
-<file path=ppt/slides/slide5.xml><?xml version="1.0" encoding="utf-8"?>
+<file path=ppt/slides/slide6.xml><?xml version="1.0" encoding="utf-8"?>
 <p:sld xmlns:a="http://schemas.openxmlformats.org/drawingml/2006/main" xmlns:r="http://schemas.openxmlformats.org/officeDocument/2006/relationships" xmlns:p="http://schemas.openxmlformats.org/presentationml/2006/main">
   <p:cSld>
     <p:spTree>
@@ -6799,7 +7726,7 @@
 </p:sld>
 </file>
 
-<file path=ppt/slides/slide6.xml><?xml version="1.0" encoding="utf-8"?>
+<file path=ppt/slides/slide7.xml><?xml version="1.0" encoding="utf-8"?>
 <p:sld xmlns:a="http://schemas.openxmlformats.org/drawingml/2006/main" xmlns:r="http://schemas.openxmlformats.org/officeDocument/2006/relationships" xmlns:p="http://schemas.openxmlformats.org/presentationml/2006/main">
   <p:cSld>
     <p:spTree>
@@ -6919,336 +7846,6 @@
     <p:extLst>
       <p:ext uri="{BB962C8B-B14F-4D97-AF65-F5344CB8AC3E}">
         <p14:creationId xmlns:p14="http://schemas.microsoft.com/office/powerpoint/2010/main" val="1123902073"/>
-      </p:ext>
-    </p:extLst>
-  </p:cSld>
-  <p:clrMapOvr>
-    <a:masterClrMapping/>
-  </p:clrMapOvr>
-</p:sld>
-</file>
-
-<file path=ppt/slides/slide7.xml><?xml version="1.0" encoding="utf-8"?>
-<p:sld xmlns:a="http://schemas.openxmlformats.org/drawingml/2006/main" xmlns:r="http://schemas.openxmlformats.org/officeDocument/2006/relationships" xmlns:p="http://schemas.openxmlformats.org/presentationml/2006/main">
-  <p:cSld>
-    <p:bg>
-      <p:bgPr>
-        <a:solidFill>
-          <a:schemeClr val="bg1"/>
-        </a:solidFill>
-        <a:effectLst/>
-      </p:bgPr>
-    </p:bg>
-    <p:spTree>
-      <p:nvGrpSpPr>
-        <p:cNvPr id="1" name=""/>
-        <p:cNvGrpSpPr/>
-        <p:nvPr/>
-      </p:nvGrpSpPr>
-      <p:grpSpPr>
-        <a:xfrm>
-          <a:off x="0" y="0"/>
-          <a:ext cx="0" cy="0"/>
-          <a:chOff x="0" y="0"/>
-          <a:chExt cx="0" cy="0"/>
-        </a:xfrm>
-      </p:grpSpPr>
-      <p:sp>
-        <p:nvSpPr>
-          <p:cNvPr id="15" name="Rectangle 8">
-            <a:extLst>
-              <a:ext uri="{FF2B5EF4-FFF2-40B4-BE49-F238E27FC236}">
-                <a16:creationId xmlns:a16="http://schemas.microsoft.com/office/drawing/2014/main" id="{8CA06CD6-90CA-4C45-856C-6771339E1E22}"/>
-              </a:ext>
-              <a:ext uri="{C183D7F6-B498-43B3-948B-1728B52AA6E4}">
-                <adec:decorative xmlns:adec="http://schemas.microsoft.com/office/drawing/2017/decorative" val="1"/>
-              </a:ext>
-            </a:extLst>
-          </p:cNvPr>
-          <p:cNvSpPr>
-            <a:spLocks noGrp="1" noRot="1" noChangeAspect="1" noMove="1" noResize="1" noEditPoints="1" noAdjustHandles="1" noChangeArrowheads="1" noChangeShapeType="1" noTextEdit="1"/>
-          </p:cNvSpPr>
-          <p:nvPr>
-            <p:extLst>
-              <p:ext uri="{386F3935-93C4-4BCD-93E2-E3B085C9AB24}">
-                <p16:designElem xmlns:p16="http://schemas.microsoft.com/office/powerpoint/2015/main" val="1"/>
-              </p:ext>
-            </p:extLst>
-          </p:nvPr>
-        </p:nvSpPr>
-        <p:spPr bwMode="ltGray">
-          <a:xfrm>
-            <a:off x="321564" y="320040"/>
-            <a:ext cx="11548872" cy="6217920"/>
-          </a:xfrm>
-          <a:prstGeom prst="rect">
-            <a:avLst/>
-          </a:prstGeom>
-          <a:solidFill>
-            <a:schemeClr val="tx1">
-              <a:alpha val="10000"/>
-            </a:schemeClr>
-          </a:solidFill>
-          <a:ln w="127000" cap="sq" cmpd="thinThick">
-            <a:noFill/>
-          </a:ln>
-        </p:spPr>
-        <p:style>
-          <a:lnRef idx="2">
-            <a:schemeClr val="accent1">
-              <a:shade val="50000"/>
-            </a:schemeClr>
-          </a:lnRef>
-          <a:fillRef idx="1">
-            <a:schemeClr val="accent1"/>
-          </a:fillRef>
-          <a:effectRef idx="0">
-            <a:schemeClr val="accent1"/>
-          </a:effectRef>
-          <a:fontRef idx="minor">
-            <a:schemeClr val="lt1"/>
-          </a:fontRef>
-        </p:style>
-        <p:txBody>
-          <a:bodyPr rtlCol="0" anchor="ctr"/>
-          <a:lstStyle/>
-          <a:p>
-            <a:pPr algn="ctr"/>
-            <a:endParaRPr lang="en-US"/>
-          </a:p>
-        </p:txBody>
-      </p:sp>
-      <p:sp>
-        <p:nvSpPr>
-          <p:cNvPr id="2" name="Title 1">
-            <a:extLst>
-              <a:ext uri="{FF2B5EF4-FFF2-40B4-BE49-F238E27FC236}">
-                <a16:creationId xmlns:a16="http://schemas.microsoft.com/office/drawing/2014/main" id="{CD9990C1-DA09-4C62-8AE9-1B50BC67D83B}"/>
-              </a:ext>
-            </a:extLst>
-          </p:cNvPr>
-          <p:cNvSpPr>
-            <a:spLocks noGrp="1"/>
-          </p:cNvSpPr>
-          <p:nvPr>
-            <p:ph type="title"/>
-          </p:nvPr>
-        </p:nvSpPr>
-        <p:spPr>
-          <a:xfrm>
-            <a:off x="429415" y="963507"/>
-            <a:ext cx="3903147" cy="4930986"/>
-          </a:xfrm>
-        </p:spPr>
-        <p:txBody>
-          <a:bodyPr>
-            <a:normAutofit/>
-          </a:bodyPr>
-          <a:lstStyle/>
-          <a:p>
-            <a:pPr algn="ctr"/>
-            <a:r>
-              <a:rPr lang="en-US" dirty="0">
-                <a:solidFill>
-                  <a:schemeClr val="accent1"/>
-                </a:solidFill>
-                <a:latin typeface="Times New Roman" panose="02020603050405020304" pitchFamily="18" charset="0"/>
-                <a:cs typeface="Times New Roman" panose="02020603050405020304" pitchFamily="18" charset="0"/>
-              </a:rPr>
-              <a:t>PATTERNS USED</a:t>
-            </a:r>
-          </a:p>
-        </p:txBody>
-      </p:sp>
-      <p:cxnSp>
-        <p:nvCxnSpPr>
-          <p:cNvPr id="16" name="Straight Connector 10">
-            <a:extLst>
-              <a:ext uri="{FF2B5EF4-FFF2-40B4-BE49-F238E27FC236}">
-                <a16:creationId xmlns:a16="http://schemas.microsoft.com/office/drawing/2014/main" id="{5021601D-2758-4B15-A31C-FDA184C51B3A}"/>
-              </a:ext>
-              <a:ext uri="{C183D7F6-B498-43B3-948B-1728B52AA6E4}">
-                <adec:decorative xmlns:adec="http://schemas.microsoft.com/office/drawing/2017/decorative" val="1"/>
-              </a:ext>
-            </a:extLst>
-          </p:cNvPr>
-          <p:cNvCxnSpPr>
-            <a:cxnSpLocks noGrp="1" noRot="1" noChangeAspect="1" noMove="1" noResize="1" noEditPoints="1" noAdjustHandles="1" noChangeArrowheads="1" noChangeShapeType="1"/>
-          </p:cNvCxnSpPr>
-          <p:nvPr>
-            <p:extLst>
-              <p:ext uri="{386F3935-93C4-4BCD-93E2-E3B085C9AB24}">
-                <p16:designElem xmlns:p16="http://schemas.microsoft.com/office/powerpoint/2015/main" val="1"/>
-              </p:ext>
-            </p:extLst>
-          </p:nvPr>
-        </p:nvCxnSpPr>
-        <p:spPr>
-          <a:xfrm>
-            <a:off x="4654296" y="2057400"/>
-            <a:ext cx="0" cy="2743200"/>
-          </a:xfrm>
-          <a:prstGeom prst="line">
-            <a:avLst/>
-          </a:prstGeom>
-          <a:ln w="19050">
-            <a:solidFill>
-              <a:schemeClr val="tx1">
-                <a:lumMod val="85000"/>
-                <a:lumOff val="15000"/>
-              </a:schemeClr>
-            </a:solidFill>
-          </a:ln>
-        </p:spPr>
-        <p:style>
-          <a:lnRef idx="1">
-            <a:schemeClr val="accent1"/>
-          </a:lnRef>
-          <a:fillRef idx="0">
-            <a:schemeClr val="accent1"/>
-          </a:fillRef>
-          <a:effectRef idx="0">
-            <a:schemeClr val="accent1"/>
-          </a:effectRef>
-          <a:fontRef idx="minor">
-            <a:schemeClr val="tx1"/>
-          </a:fontRef>
-        </p:style>
-      </p:cxnSp>
-      <p:sp>
-        <p:nvSpPr>
-          <p:cNvPr id="4" name="Content Placeholder 3">
-            <a:extLst>
-              <a:ext uri="{FF2B5EF4-FFF2-40B4-BE49-F238E27FC236}">
-                <a16:creationId xmlns:a16="http://schemas.microsoft.com/office/drawing/2014/main" id="{742257B8-6E07-4088-9B72-0CA9F8A49409}"/>
-              </a:ext>
-            </a:extLst>
-          </p:cNvPr>
-          <p:cNvSpPr>
-            <a:spLocks noGrp="1"/>
-          </p:cNvSpPr>
-          <p:nvPr>
-            <p:ph sz="half" idx="2"/>
-          </p:nvPr>
-        </p:nvSpPr>
-        <p:spPr>
-          <a:xfrm>
-            <a:off x="5085306" y="2276685"/>
-            <a:ext cx="6250940" cy="2669157"/>
-          </a:xfrm>
-        </p:spPr>
-        <p:txBody>
-          <a:bodyPr>
-            <a:noAutofit/>
-          </a:bodyPr>
-          <a:lstStyle/>
-          <a:p>
-            <a:pPr marL="514350" indent="-514350">
-              <a:buFont typeface="+mj-lt"/>
-              <a:buAutoNum type="arabicPeriod"/>
-            </a:pPr>
-            <a:r>
-              <a:rPr lang="en-US" sz="1800" dirty="0">
-                <a:latin typeface="Times New Roman" panose="02020603050405020304" pitchFamily="18" charset="0"/>
-                <a:cs typeface="Times New Roman" panose="02020603050405020304" pitchFamily="18" charset="0"/>
-              </a:rPr>
-              <a:t>Factory Method pattern</a:t>
-            </a:r>
-          </a:p>
-          <a:p>
-            <a:pPr marL="514350" indent="-514350">
-              <a:buFont typeface="+mj-lt"/>
-              <a:buAutoNum type="arabicPeriod"/>
-            </a:pPr>
-            <a:r>
-              <a:rPr lang="en-US" sz="1800" dirty="0">
-                <a:latin typeface="Times New Roman" panose="02020603050405020304" pitchFamily="18" charset="0"/>
-                <a:cs typeface="Times New Roman" panose="02020603050405020304" pitchFamily="18" charset="0"/>
-              </a:rPr>
-              <a:t>Strategy pattern </a:t>
-            </a:r>
-          </a:p>
-          <a:p>
-            <a:pPr marL="514350" indent="-514350">
-              <a:buFont typeface="+mj-lt"/>
-              <a:buAutoNum type="arabicPeriod"/>
-            </a:pPr>
-            <a:r>
-              <a:rPr lang="en-US" sz="1800" dirty="0">
-                <a:latin typeface="Times New Roman" panose="02020603050405020304" pitchFamily="18" charset="0"/>
-                <a:cs typeface="Times New Roman" panose="02020603050405020304" pitchFamily="18" charset="0"/>
-              </a:rPr>
-              <a:t>Façade pattern </a:t>
-            </a:r>
-          </a:p>
-          <a:p>
-            <a:pPr marL="514350" indent="-514350">
-              <a:buFont typeface="+mj-lt"/>
-              <a:buAutoNum type="arabicPeriod"/>
-            </a:pPr>
-            <a:r>
-              <a:rPr lang="en-US" sz="1800" dirty="0">
-                <a:latin typeface="Times New Roman" panose="02020603050405020304" pitchFamily="18" charset="0"/>
-                <a:cs typeface="Times New Roman" panose="02020603050405020304" pitchFamily="18" charset="0"/>
-              </a:rPr>
-              <a:t>Adapter pattern </a:t>
-            </a:r>
-          </a:p>
-          <a:p>
-            <a:pPr marL="514350" indent="-514350">
-              <a:buFont typeface="+mj-lt"/>
-              <a:buAutoNum type="arabicPeriod"/>
-            </a:pPr>
-            <a:r>
-              <a:rPr lang="en-US" sz="1800" dirty="0">
-                <a:latin typeface="Times New Roman" panose="02020603050405020304" pitchFamily="18" charset="0"/>
-                <a:cs typeface="Times New Roman" panose="02020603050405020304" pitchFamily="18" charset="0"/>
-              </a:rPr>
-              <a:t>Command pattern</a:t>
-            </a:r>
-          </a:p>
-          <a:p>
-            <a:pPr marL="514350" indent="-514350">
-              <a:buFont typeface="+mj-lt"/>
-              <a:buAutoNum type="arabicPeriod"/>
-            </a:pPr>
-            <a:r>
-              <a:rPr lang="en-US" sz="1800" dirty="0">
-                <a:latin typeface="Times New Roman" panose="02020603050405020304" pitchFamily="18" charset="0"/>
-                <a:cs typeface="Times New Roman" panose="02020603050405020304" pitchFamily="18" charset="0"/>
-              </a:rPr>
-              <a:t>Template Method Pattern</a:t>
-            </a:r>
-          </a:p>
-          <a:p>
-            <a:pPr marL="514350" indent="-514350">
-              <a:buFont typeface="+mj-lt"/>
-              <a:buAutoNum type="arabicPeriod"/>
-            </a:pPr>
-            <a:r>
-              <a:rPr lang="en-US" sz="1800" dirty="0">
-                <a:latin typeface="Times New Roman" panose="02020603050405020304" pitchFamily="18" charset="0"/>
-                <a:cs typeface="Times New Roman" panose="02020603050405020304" pitchFamily="18" charset="0"/>
-              </a:rPr>
-              <a:t>Singleton pattern</a:t>
-            </a:r>
-          </a:p>
-          <a:p>
-            <a:pPr marL="514350" indent="-514350">
-              <a:buFont typeface="+mj-lt"/>
-              <a:buAutoNum type="arabicPeriod"/>
-            </a:pPr>
-            <a:endParaRPr lang="en-US" sz="1800" dirty="0">
-              <a:latin typeface="Times New Roman" panose="02020603050405020304" pitchFamily="18" charset="0"/>
-              <a:cs typeface="Times New Roman" panose="02020603050405020304" pitchFamily="18" charset="0"/>
-            </a:endParaRPr>
-          </a:p>
-        </p:txBody>
-      </p:sp>
-    </p:spTree>
-    <p:extLst>
-      <p:ext uri="{BB962C8B-B14F-4D97-AF65-F5344CB8AC3E}">
-        <p14:creationId xmlns:p14="http://schemas.microsoft.com/office/powerpoint/2010/main" val="3572538887"/>
       </p:ext>
     </p:extLst>
   </p:cSld>
@@ -7285,10 +7882,10 @@
       </p:grpSpPr>
       <p:sp>
         <p:nvSpPr>
-          <p:cNvPr id="12" name="Rectangle 11">
-            <a:extLst>
-              <a:ext uri="{FF2B5EF4-FFF2-40B4-BE49-F238E27FC236}">
-                <a16:creationId xmlns:a16="http://schemas.microsoft.com/office/drawing/2014/main" id="{81AEB8A9-B768-4E30-BA55-D919E6687343}"/>
+          <p:cNvPr id="15" name="Rectangle 8">
+            <a:extLst>
+              <a:ext uri="{FF2B5EF4-FFF2-40B4-BE49-F238E27FC236}">
+                <a16:creationId xmlns:a16="http://schemas.microsoft.com/office/drawing/2014/main" id="{8CA06CD6-90CA-4C45-856C-6771339E1E22}"/>
               </a:ext>
               <a:ext uri="{C183D7F6-B498-43B3-948B-1728B52AA6E4}">
                 <adec:decorative xmlns:adec="http://schemas.microsoft.com/office/drawing/2017/decorative" val="1"/>
@@ -7306,18 +7903,20 @@
             </p:extLst>
           </p:nvPr>
         </p:nvSpPr>
-        <p:spPr>
+        <p:spPr bwMode="ltGray">
           <a:xfrm>
-            <a:off x="-10001" y="-2"/>
-            <a:ext cx="4069936" cy="6858002"/>
+            <a:off x="321564" y="320040"/>
+            <a:ext cx="11548872" cy="6217920"/>
           </a:xfrm>
           <a:prstGeom prst="rect">
             <a:avLst/>
           </a:prstGeom>
           <a:solidFill>
-            <a:schemeClr val="accent1"/>
+            <a:schemeClr val="tx1">
+              <a:alpha val="10000"/>
+            </a:schemeClr>
           </a:solidFill>
-          <a:ln>
+          <a:ln w="127000" cap="sq" cmpd="thinThick">
             <a:noFill/>
           </a:ln>
         </p:spPr>
@@ -7341,37 +7940,8 @@
           <a:bodyPr rtlCol="0" anchor="ctr"/>
           <a:lstStyle/>
           <a:p>
-            <a:pPr marL="0" marR="0" lvl="0" indent="0" algn="ctr" defTabSz="914400" rtl="0" eaLnBrk="1" fontAlgn="auto" latinLnBrk="0" hangingPunct="1">
-              <a:lnSpc>
-                <a:spcPct val="100000"/>
-              </a:lnSpc>
-              <a:spcBef>
-                <a:spcPts val="0"/>
-              </a:spcBef>
-              <a:spcAft>
-                <a:spcPts val="0"/>
-              </a:spcAft>
-              <a:buClrTx/>
-              <a:buSzTx/>
-              <a:buFontTx/>
-              <a:buNone/>
-              <a:tabLst/>
-              <a:defRPr/>
-            </a:pPr>
-            <a:endParaRPr kumimoji="0" lang="en-US" sz="1800" b="0" i="0" u="none" strike="noStrike" kern="1200" cap="none" spc="0" normalizeH="0" baseline="0" noProof="0">
-              <a:ln>
-                <a:noFill/>
-              </a:ln>
-              <a:solidFill>
-                <a:prstClr val="white"/>
-              </a:solidFill>
-              <a:effectLst/>
-              <a:uLnTx/>
-              <a:uFillTx/>
-              <a:latin typeface="Calibri" panose="020F0502020204030204"/>
-              <a:ea typeface="+mn-ea"/>
-              <a:cs typeface="+mn-cs"/>
-            </a:endParaRPr>
+            <a:pPr algn="ctr"/>
+            <a:endParaRPr lang="en-US"/>
           </a:p>
         </p:txBody>
       </p:sp>
@@ -7380,7 +7950,7 @@
           <p:cNvPr id="2" name="Title 1">
             <a:extLst>
               <a:ext uri="{FF2B5EF4-FFF2-40B4-BE49-F238E27FC236}">
-                <a16:creationId xmlns:a16="http://schemas.microsoft.com/office/drawing/2014/main" id="{28470DE5-3119-435F-8FD0-FE02614C95AA}"/>
+                <a16:creationId xmlns:a16="http://schemas.microsoft.com/office/drawing/2014/main" id="{CD9990C1-DA09-4C62-8AE9-1B50BC67D83B}"/>
               </a:ext>
             </a:extLst>
           </p:cNvPr>
@@ -7393,120 +7963,219 @@
         </p:nvSpPr>
         <p:spPr>
           <a:xfrm>
-            <a:off x="643467" y="640080"/>
-            <a:ext cx="3096427" cy="5613236"/>
+            <a:off x="429415" y="963507"/>
+            <a:ext cx="3903147" cy="4930986"/>
           </a:xfrm>
         </p:spPr>
         <p:txBody>
-          <a:bodyPr vert="horz" lIns="91440" tIns="45720" rIns="91440" bIns="45720" rtlCol="0" anchor="ctr">
+          <a:bodyPr>
             <a:normAutofit/>
           </a:bodyPr>
           <a:lstStyle/>
           <a:p>
-            <a:r>
-              <a:rPr lang="en-US" kern="1200" dirty="0">
+            <a:pPr algn="ctr"/>
+            <a:r>
+              <a:rPr lang="en-US" dirty="0">
                 <a:solidFill>
-                  <a:srgbClr val="FFFFFF"/>
+                  <a:schemeClr val="accent1"/>
                 </a:solidFill>
                 <a:latin typeface="Times New Roman" panose="02020603050405020304" pitchFamily="18" charset="0"/>
                 <a:cs typeface="Times New Roman" panose="02020603050405020304" pitchFamily="18" charset="0"/>
               </a:rPr>
-              <a:t>The Strategy Design Pattern </a:t>
-            </a:r>
-          </a:p>
-        </p:txBody>
-      </p:sp>
-      <p:sp>
-        <p:nvSpPr>
-          <p:cNvPr id="3" name="Content Placeholder 2">
-            <a:extLst>
-              <a:ext uri="{FF2B5EF4-FFF2-40B4-BE49-F238E27FC236}">
-                <a16:creationId xmlns:a16="http://schemas.microsoft.com/office/drawing/2014/main" id="{02568E4E-F1A3-47BB-BD09-89BE0D0FBC2F}"/>
-              </a:ext>
-            </a:extLst>
-          </p:cNvPr>
-          <p:cNvSpPr>
-            <a:spLocks noGrp="1"/>
-          </p:cNvSpPr>
-          <p:nvPr>
-            <p:ph sz="half" idx="1"/>
-          </p:nvPr>
-        </p:nvSpPr>
+              <a:t>PATTERNS USED</a:t>
+            </a:r>
+          </a:p>
+        </p:txBody>
+      </p:sp>
+      <p:cxnSp>
+        <p:nvCxnSpPr>
+          <p:cNvPr id="16" name="Straight Connector 10">
+            <a:extLst>
+              <a:ext uri="{FF2B5EF4-FFF2-40B4-BE49-F238E27FC236}">
+                <a16:creationId xmlns:a16="http://schemas.microsoft.com/office/drawing/2014/main" id="{5021601D-2758-4B15-A31C-FDA184C51B3A}"/>
+              </a:ext>
+              <a:ext uri="{C183D7F6-B498-43B3-948B-1728B52AA6E4}">
+                <adec:decorative xmlns:adec="http://schemas.microsoft.com/office/drawing/2017/decorative" val="1"/>
+              </a:ext>
+            </a:extLst>
+          </p:cNvPr>
+          <p:cNvCxnSpPr>
+            <a:cxnSpLocks noGrp="1" noRot="1" noChangeAspect="1" noMove="1" noResize="1" noEditPoints="1" noAdjustHandles="1" noChangeArrowheads="1" noChangeShapeType="1"/>
+          </p:cNvCxnSpPr>
+          <p:nvPr>
+            <p:extLst>
+              <p:ext uri="{386F3935-93C4-4BCD-93E2-E3B085C9AB24}">
+                <p16:designElem xmlns:p16="http://schemas.microsoft.com/office/powerpoint/2015/main" val="1"/>
+              </p:ext>
+            </p:extLst>
+          </p:nvPr>
+        </p:nvCxnSpPr>
         <p:spPr>
           <a:xfrm>
-            <a:off x="4699818" y="640082"/>
-            <a:ext cx="6848715" cy="2484884"/>
+            <a:off x="4654296" y="2057400"/>
+            <a:ext cx="0" cy="2743200"/>
+          </a:xfrm>
+          <a:prstGeom prst="line">
+            <a:avLst/>
+          </a:prstGeom>
+          <a:ln w="19050">
+            <a:solidFill>
+              <a:schemeClr val="tx1">
+                <a:lumMod val="85000"/>
+                <a:lumOff val="15000"/>
+              </a:schemeClr>
+            </a:solidFill>
+          </a:ln>
+        </p:spPr>
+        <p:style>
+          <a:lnRef idx="1">
+            <a:schemeClr val="accent1"/>
+          </a:lnRef>
+          <a:fillRef idx="0">
+            <a:schemeClr val="accent1"/>
+          </a:fillRef>
+          <a:effectRef idx="0">
+            <a:schemeClr val="accent1"/>
+          </a:effectRef>
+          <a:fontRef idx="minor">
+            <a:schemeClr val="tx1"/>
+          </a:fontRef>
+        </p:style>
+      </p:cxnSp>
+      <p:sp>
+        <p:nvSpPr>
+          <p:cNvPr id="4" name="Content Placeholder 3">
+            <a:extLst>
+              <a:ext uri="{FF2B5EF4-FFF2-40B4-BE49-F238E27FC236}">
+                <a16:creationId xmlns:a16="http://schemas.microsoft.com/office/drawing/2014/main" id="{742257B8-6E07-4088-9B72-0CA9F8A49409}"/>
+              </a:ext>
+            </a:extLst>
+          </p:cNvPr>
+          <p:cNvSpPr>
+            <a:spLocks noGrp="1"/>
+          </p:cNvSpPr>
+          <p:nvPr>
+            <p:ph sz="half" idx="2"/>
+          </p:nvPr>
+        </p:nvSpPr>
+        <p:spPr>
+          <a:xfrm>
+            <a:off x="5085306" y="2276685"/>
+            <a:ext cx="6250940" cy="2669157"/>
           </a:xfrm>
         </p:spPr>
         <p:txBody>
-          <a:bodyPr vert="horz" lIns="91440" tIns="45720" rIns="91440" bIns="45720" rtlCol="0" anchor="ctr">
-            <a:normAutofit/>
+          <a:bodyPr>
+            <a:noAutofit/>
           </a:bodyPr>
           <a:lstStyle/>
           <a:p>
-            <a:r>
-              <a:rPr lang="en-US" sz="2000" dirty="0"/>
-              <a:t>Client applications can use </a:t>
-            </a:r>
-            <a:r>
-              <a:rPr lang="en-US" sz="2000" b="1" dirty="0" err="1"/>
-              <a:t>LibraryManager</a:t>
-            </a:r>
-            <a:r>
-              <a:rPr lang="en-US" sz="2000" dirty="0"/>
-              <a:t> interface to choose either to use Flat file or a MySQL database to store data</a:t>
-            </a:r>
-          </a:p>
-          <a:p>
-            <a:r>
-              <a:rPr lang="en-US" sz="2000" dirty="0"/>
-              <a:t>We implemented  Strategy Pattern to handle the variation of the storage type the client want to use so that it can vary independently</a:t>
-            </a:r>
-          </a:p>
-        </p:txBody>
-      </p:sp>
-      <p:pic>
-        <p:nvPicPr>
-          <p:cNvPr id="7" name="Content Placeholder 6" descr="A screenshot of a cell phone&#10;&#10;Description automatically generated">
-            <a:extLst>
-              <a:ext uri="{FF2B5EF4-FFF2-40B4-BE49-F238E27FC236}">
-                <a16:creationId xmlns:a16="http://schemas.microsoft.com/office/drawing/2014/main" id="{020004E5-BD10-41CB-AEE3-D8388566A198}"/>
-              </a:ext>
-            </a:extLst>
-          </p:cNvPr>
-          <p:cNvPicPr>
-            <a:picLocks noGrp="1" noChangeAspect="1"/>
-          </p:cNvPicPr>
-          <p:nvPr>
-            <p:ph sz="half" idx="2"/>
-          </p:nvPr>
-        </p:nvPicPr>
-        <p:blipFill>
-          <a:blip r:embed="rId2">
-            <a:extLst>
-              <a:ext uri="{28A0092B-C50C-407E-A947-70E740481C1C}">
-                <a14:useLocalDpi xmlns:a14="http://schemas.microsoft.com/office/drawing/2010/main" val="0"/>
-              </a:ext>
-            </a:extLst>
-          </a:blip>
-          <a:stretch>
-            <a:fillRect/>
-          </a:stretch>
-        </p:blipFill>
-        <p:spPr>
-          <a:xfrm>
-            <a:off x="4692737" y="3124966"/>
-            <a:ext cx="6817356" cy="2810067"/>
-          </a:xfrm>
-          <a:prstGeom prst="rect">
-            <a:avLst/>
-          </a:prstGeom>
-        </p:spPr>
-      </p:pic>
+            <a:pPr marL="514350" indent="-514350">
+              <a:buFont typeface="+mj-lt"/>
+              <a:buAutoNum type="arabicPeriod"/>
+            </a:pPr>
+            <a:r>
+              <a:rPr lang="en-US" sz="1800" dirty="0">
+                <a:latin typeface="Times New Roman" panose="02020603050405020304" pitchFamily="18" charset="0"/>
+                <a:cs typeface="Times New Roman" panose="02020603050405020304" pitchFamily="18" charset="0"/>
+              </a:rPr>
+              <a:t>Factory Method pattern</a:t>
+            </a:r>
+          </a:p>
+          <a:p>
+            <a:pPr marL="514350" indent="-514350">
+              <a:buFont typeface="+mj-lt"/>
+              <a:buAutoNum type="arabicPeriod"/>
+            </a:pPr>
+            <a:r>
+              <a:rPr lang="en-US" sz="1800" dirty="0">
+                <a:latin typeface="Times New Roman" panose="02020603050405020304" pitchFamily="18" charset="0"/>
+                <a:cs typeface="Times New Roman" panose="02020603050405020304" pitchFamily="18" charset="0"/>
+              </a:rPr>
+              <a:t>Strategy pattern </a:t>
+            </a:r>
+          </a:p>
+          <a:p>
+            <a:pPr marL="514350" indent="-514350">
+              <a:buFont typeface="+mj-lt"/>
+              <a:buAutoNum type="arabicPeriod"/>
+            </a:pPr>
+            <a:r>
+              <a:rPr lang="en-US" sz="1800" dirty="0">
+                <a:latin typeface="Times New Roman" panose="02020603050405020304" pitchFamily="18" charset="0"/>
+                <a:cs typeface="Times New Roman" panose="02020603050405020304" pitchFamily="18" charset="0"/>
+              </a:rPr>
+              <a:t>Façade pattern </a:t>
+            </a:r>
+          </a:p>
+          <a:p>
+            <a:pPr marL="514350" indent="-514350">
+              <a:buFont typeface="+mj-lt"/>
+              <a:buAutoNum type="arabicPeriod"/>
+            </a:pPr>
+            <a:r>
+              <a:rPr lang="en-US" sz="1800" dirty="0">
+                <a:latin typeface="Times New Roman" panose="02020603050405020304" pitchFamily="18" charset="0"/>
+                <a:cs typeface="Times New Roman" panose="02020603050405020304" pitchFamily="18" charset="0"/>
+              </a:rPr>
+              <a:t>Adapter pattern </a:t>
+            </a:r>
+          </a:p>
+          <a:p>
+            <a:pPr marL="514350" indent="-514350">
+              <a:buFont typeface="+mj-lt"/>
+              <a:buAutoNum type="arabicPeriod"/>
+            </a:pPr>
+            <a:r>
+              <a:rPr lang="en-US" sz="1800" dirty="0">
+                <a:latin typeface="Times New Roman" panose="02020603050405020304" pitchFamily="18" charset="0"/>
+                <a:cs typeface="Times New Roman" panose="02020603050405020304" pitchFamily="18" charset="0"/>
+              </a:rPr>
+              <a:t>Command pattern</a:t>
+            </a:r>
+          </a:p>
+          <a:p>
+            <a:pPr marL="514350" indent="-514350">
+              <a:buFont typeface="+mj-lt"/>
+              <a:buAutoNum type="arabicPeriod"/>
+            </a:pPr>
+            <a:r>
+              <a:rPr lang="en-US" sz="1800" dirty="0">
+                <a:latin typeface="Times New Roman" panose="02020603050405020304" pitchFamily="18" charset="0"/>
+                <a:cs typeface="Times New Roman" panose="02020603050405020304" pitchFamily="18" charset="0"/>
+              </a:rPr>
+              <a:t>Template Method Pattern</a:t>
+            </a:r>
+          </a:p>
+          <a:p>
+            <a:pPr marL="514350" indent="-514350">
+              <a:buFont typeface="+mj-lt"/>
+              <a:buAutoNum type="arabicPeriod"/>
+            </a:pPr>
+            <a:r>
+              <a:rPr lang="en-US" sz="1800" dirty="0">
+                <a:latin typeface="Times New Roman" panose="02020603050405020304" pitchFamily="18" charset="0"/>
+                <a:cs typeface="Times New Roman" panose="02020603050405020304" pitchFamily="18" charset="0"/>
+              </a:rPr>
+              <a:t>Singleton pattern</a:t>
+            </a:r>
+          </a:p>
+          <a:p>
+            <a:pPr marL="514350" indent="-514350">
+              <a:buFont typeface="+mj-lt"/>
+              <a:buAutoNum type="arabicPeriod"/>
+            </a:pPr>
+            <a:endParaRPr lang="en-US" sz="1800" dirty="0">
+              <a:latin typeface="Times New Roman" panose="02020603050405020304" pitchFamily="18" charset="0"/>
+              <a:cs typeface="Times New Roman" panose="02020603050405020304" pitchFamily="18" charset="0"/>
+            </a:endParaRPr>
+          </a:p>
+        </p:txBody>
+      </p:sp>
     </p:spTree>
     <p:extLst>
       <p:ext uri="{BB962C8B-B14F-4D97-AF65-F5344CB8AC3E}">
-        <p14:creationId xmlns:p14="http://schemas.microsoft.com/office/powerpoint/2010/main" val="3248686715"/>
+        <p14:creationId xmlns:p14="http://schemas.microsoft.com/office/powerpoint/2010/main" val="3572538887"/>
       </p:ext>
     </p:extLst>
   </p:cSld>
@@ -7543,24 +8212,116 @@
       </p:grpSpPr>
       <p:sp>
         <p:nvSpPr>
-          <p:cNvPr id="2" name="Title 1">
-            <a:extLst>
-              <a:ext uri="{FF2B5EF4-FFF2-40B4-BE49-F238E27FC236}">
-                <a16:creationId xmlns:a16="http://schemas.microsoft.com/office/drawing/2014/main" id="{1917016B-4044-4FF3-AA5C-6952699CDDF9}"/>
-              </a:ext>
-            </a:extLst>
-          </p:cNvPr>
-          <p:cNvSpPr>
-            <a:spLocks noGrp="1"/>
-          </p:cNvSpPr>
-          <p:nvPr>
-            <p:ph type="title"/>
+          <p:cNvPr id="12" name="Rectangle 11">
+            <a:extLst>
+              <a:ext uri="{FF2B5EF4-FFF2-40B4-BE49-F238E27FC236}">
+                <a16:creationId xmlns:a16="http://schemas.microsoft.com/office/drawing/2014/main" id="{81AEB8A9-B768-4E30-BA55-D919E6687343}"/>
+              </a:ext>
+              <a:ext uri="{C183D7F6-B498-43B3-948B-1728B52AA6E4}">
+                <adec:decorative xmlns:adec="http://schemas.microsoft.com/office/drawing/2017/decorative" val="1"/>
+              </a:ext>
+            </a:extLst>
+          </p:cNvPr>
+          <p:cNvSpPr>
+            <a:spLocks noGrp="1" noRot="1" noChangeAspect="1" noMove="1" noResize="1" noEditPoints="1" noAdjustHandles="1" noChangeArrowheads="1" noChangeShapeType="1" noTextEdit="1"/>
+          </p:cNvSpPr>
+          <p:nvPr>
+            <p:extLst>
+              <p:ext uri="{386F3935-93C4-4BCD-93E2-E3B085C9AB24}">
+                <p16:designElem xmlns:p16="http://schemas.microsoft.com/office/powerpoint/2015/main" val="1"/>
+              </p:ext>
+            </p:extLst>
           </p:nvPr>
         </p:nvSpPr>
         <p:spPr>
           <a:xfrm>
-            <a:off x="648929" y="629266"/>
-            <a:ext cx="3651467" cy="1676603"/>
+            <a:off x="-10001" y="-2"/>
+            <a:ext cx="4069936" cy="6858002"/>
+          </a:xfrm>
+          <a:prstGeom prst="rect">
+            <a:avLst/>
+          </a:prstGeom>
+          <a:solidFill>
+            <a:schemeClr val="accent1"/>
+          </a:solidFill>
+          <a:ln>
+            <a:noFill/>
+          </a:ln>
+        </p:spPr>
+        <p:style>
+          <a:lnRef idx="2">
+            <a:schemeClr val="accent1">
+              <a:shade val="50000"/>
+            </a:schemeClr>
+          </a:lnRef>
+          <a:fillRef idx="1">
+            <a:schemeClr val="accent1"/>
+          </a:fillRef>
+          <a:effectRef idx="0">
+            <a:schemeClr val="accent1"/>
+          </a:effectRef>
+          <a:fontRef idx="minor">
+            <a:schemeClr val="lt1"/>
+          </a:fontRef>
+        </p:style>
+        <p:txBody>
+          <a:bodyPr rtlCol="0" anchor="ctr"/>
+          <a:lstStyle/>
+          <a:p>
+            <a:pPr marL="0" marR="0" lvl="0" indent="0" algn="ctr" defTabSz="914400" rtl="0" eaLnBrk="1" fontAlgn="auto" latinLnBrk="0" hangingPunct="1">
+              <a:lnSpc>
+                <a:spcPct val="100000"/>
+              </a:lnSpc>
+              <a:spcBef>
+                <a:spcPts val="0"/>
+              </a:spcBef>
+              <a:spcAft>
+                <a:spcPts val="0"/>
+              </a:spcAft>
+              <a:buClrTx/>
+              <a:buSzTx/>
+              <a:buFontTx/>
+              <a:buNone/>
+              <a:tabLst/>
+              <a:defRPr/>
+            </a:pPr>
+            <a:endParaRPr kumimoji="0" lang="en-US" sz="1800" b="0" i="0" u="none" strike="noStrike" kern="1200" cap="none" spc="0" normalizeH="0" baseline="0" noProof="0">
+              <a:ln>
+                <a:noFill/>
+              </a:ln>
+              <a:solidFill>
+                <a:prstClr val="white"/>
+              </a:solidFill>
+              <a:effectLst/>
+              <a:uLnTx/>
+              <a:uFillTx/>
+              <a:latin typeface="Calibri" panose="020F0502020204030204"/>
+              <a:ea typeface="+mn-ea"/>
+              <a:cs typeface="+mn-cs"/>
+            </a:endParaRPr>
+          </a:p>
+        </p:txBody>
+      </p:sp>
+      <p:sp>
+        <p:nvSpPr>
+          <p:cNvPr id="2" name="Title 1">
+            <a:extLst>
+              <a:ext uri="{FF2B5EF4-FFF2-40B4-BE49-F238E27FC236}">
+                <a16:creationId xmlns:a16="http://schemas.microsoft.com/office/drawing/2014/main" id="{28470DE5-3119-435F-8FD0-FE02614C95AA}"/>
+              </a:ext>
+            </a:extLst>
+          </p:cNvPr>
+          <p:cNvSpPr>
+            <a:spLocks noGrp="1"/>
+          </p:cNvSpPr>
+          <p:nvPr>
+            <p:ph type="title"/>
+          </p:nvPr>
+        </p:nvSpPr>
+        <p:spPr>
+          <a:xfrm>
+            <a:off x="643467" y="640080"/>
+            <a:ext cx="3096427" cy="5613236"/>
           </a:xfrm>
         </p:spPr>
         <p:txBody>
@@ -7570,14 +8331,14 @@
           <a:lstStyle/>
           <a:p>
             <a:r>
-              <a:rPr lang="en-US" sz="2800" dirty="0">
+              <a:rPr lang="en-US" kern="1200" dirty="0">
                 <a:solidFill>
-                  <a:schemeClr val="tx2"/>
+                  <a:srgbClr val="FFFFFF"/>
                 </a:solidFill>
                 <a:latin typeface="Times New Roman" panose="02020603050405020304" pitchFamily="18" charset="0"/>
                 <a:cs typeface="Times New Roman" panose="02020603050405020304" pitchFamily="18" charset="0"/>
               </a:rPr>
-              <a:t>Template Method Design Pattern</a:t>
+              <a:t>The Strategy Design Pattern </a:t>
             </a:r>
           </a:p>
         </p:txBody>
@@ -7587,7 +8348,7 @@
           <p:cNvPr id="3" name="Content Placeholder 2">
             <a:extLst>
               <a:ext uri="{FF2B5EF4-FFF2-40B4-BE49-F238E27FC236}">
-                <a16:creationId xmlns:a16="http://schemas.microsoft.com/office/drawing/2014/main" id="{20ADC37A-0E4E-4245-9B4B-CEAB80B6EB64}"/>
+                <a16:creationId xmlns:a16="http://schemas.microsoft.com/office/drawing/2014/main" id="{02568E4E-F1A3-47BB-BD09-89BE0D0FBC2F}"/>
               </a:ext>
             </a:extLst>
           </p:cNvPr>
@@ -7600,56 +8361,69 @@
         </p:nvSpPr>
         <p:spPr>
           <a:xfrm>
-            <a:off x="648930" y="2438400"/>
-            <a:ext cx="4362587" cy="3785419"/>
+            <a:off x="4699818" y="640082"/>
+            <a:ext cx="6848715" cy="2484884"/>
           </a:xfrm>
         </p:spPr>
         <p:txBody>
-          <a:bodyPr vert="horz" lIns="91440" tIns="45720" rIns="91440" bIns="45720" rtlCol="0">
+          <a:bodyPr vert="horz" lIns="91440" tIns="45720" rIns="91440" bIns="45720" rtlCol="0" anchor="ctr">
             <a:normAutofit/>
           </a:bodyPr>
           <a:lstStyle/>
           <a:p>
-            <a:pPr algn="just"/>
-            <a:r>
-              <a:rPr lang="en-US" dirty="0"/>
-              <a:t>We use the load template method to offer the client the possibility to load his personal data by implementing the abstract methods in </a:t>
-            </a:r>
-            <a:r>
-              <a:rPr lang="en-US" b="1" dirty="0" err="1"/>
-              <a:t>DataLoader</a:t>
-            </a:r>
-            <a:r>
-              <a:rPr lang="en-US" dirty="0"/>
-              <a:t>.</a:t>
+            <a:r>
+              <a:rPr lang="en-US" sz="2000" dirty="0"/>
+              <a:t>Client applications can use </a:t>
+            </a:r>
+            <a:r>
+              <a:rPr lang="en-US" sz="2000" b="1" dirty="0" err="1"/>
+              <a:t>LibraryManager</a:t>
+            </a:r>
+            <a:r>
+              <a:rPr lang="en-US" sz="2000" dirty="0"/>
+              <a:t> interface to choose either to use Flat file or a MySQL database to store data</a:t>
+            </a:r>
+          </a:p>
+          <a:p>
+            <a:r>
+              <a:rPr lang="en-US" sz="2000" dirty="0"/>
+              <a:t>We implemented  Strategy Pattern to handle the variation of the storage type the client want to use so that it can vary independently</a:t>
             </a:r>
           </a:p>
         </p:txBody>
       </p:sp>
       <p:pic>
         <p:nvPicPr>
-          <p:cNvPr id="7" name="Picture 6">
-            <a:extLst>
-              <a:ext uri="{FF2B5EF4-FFF2-40B4-BE49-F238E27FC236}">
-                <a16:creationId xmlns:a16="http://schemas.microsoft.com/office/drawing/2014/main" id="{A72C9AA7-1708-4267-8970-06DA75510A42}"/>
+          <p:cNvPr id="7" name="Content Placeholder 6" descr="A screenshot of a cell phone&#10;&#10;Description automatically generated">
+            <a:extLst>
+              <a:ext uri="{FF2B5EF4-FFF2-40B4-BE49-F238E27FC236}">
+                <a16:creationId xmlns:a16="http://schemas.microsoft.com/office/drawing/2014/main" id="{020004E5-BD10-41CB-AEE3-D8388566A198}"/>
               </a:ext>
             </a:extLst>
           </p:cNvPr>
           <p:cNvPicPr>
-            <a:picLocks noChangeAspect="1"/>
+            <a:picLocks noGrp="1" noChangeAspect="1"/>
           </p:cNvPicPr>
-          <p:nvPr/>
+          <p:nvPr>
+            <p:ph sz="half" idx="2"/>
+          </p:nvPr>
         </p:nvPicPr>
         <p:blipFill>
-          <a:blip r:embed="rId2"/>
+          <a:blip r:embed="rId2">
+            <a:extLst>
+              <a:ext uri="{28A0092B-C50C-407E-A947-70E740481C1C}">
+                <a14:useLocalDpi xmlns:a14="http://schemas.microsoft.com/office/drawing/2010/main" val="0"/>
+              </a:ext>
+            </a:extLst>
+          </a:blip>
           <a:stretch>
             <a:fillRect/>
           </a:stretch>
         </p:blipFill>
         <p:spPr>
           <a:xfrm>
-            <a:off x="5533709" y="559791"/>
-            <a:ext cx="6267450" cy="4667250"/>
+            <a:off x="4692737" y="3124966"/>
+            <a:ext cx="6817356" cy="2810067"/>
           </a:xfrm>
           <a:prstGeom prst="rect">
             <a:avLst/>
@@ -7659,7 +8433,7 @@
     </p:spTree>
     <p:extLst>
       <p:ext uri="{BB962C8B-B14F-4D97-AF65-F5344CB8AC3E}">
-        <p14:creationId xmlns:p14="http://schemas.microsoft.com/office/powerpoint/2010/main" val="994165072"/>
+        <p14:creationId xmlns:p14="http://schemas.microsoft.com/office/powerpoint/2010/main" val="3248686715"/>
       </p:ext>
     </p:extLst>
   </p:cSld>

--- a/FinalLibraryFrameworkDesignDocument.pptx
+++ b/FinalLibraryFrameworkDesignDocument.pptx
@@ -7745,10 +7745,10 @@
       </p:grpSpPr>
       <p:pic>
         <p:nvPicPr>
-          <p:cNvPr id="2" name="Picture 1">
-            <a:extLst>
-              <a:ext uri="{FF2B5EF4-FFF2-40B4-BE49-F238E27FC236}">
-                <a16:creationId xmlns:a16="http://schemas.microsoft.com/office/drawing/2014/main" id="{472179FC-10E2-4EC2-ABD2-38AF7A30B62B}"/>
+          <p:cNvPr id="3" name="Picture 2">
+            <a:extLst>
+              <a:ext uri="{FF2B5EF4-FFF2-40B4-BE49-F238E27FC236}">
+                <a16:creationId xmlns:a16="http://schemas.microsoft.com/office/drawing/2014/main" id="{951D67D9-7B3F-4C38-A5B5-DE3C0715D08A}"/>
               </a:ext>
             </a:extLst>
           </p:cNvPr>
@@ -7765,8 +7765,8 @@
         </p:blipFill>
         <p:spPr>
           <a:xfrm>
-            <a:off x="714376" y="0"/>
-            <a:ext cx="10672683" cy="6858000"/>
+            <a:off x="580972" y="-65675"/>
+            <a:ext cx="11611028" cy="7001980"/>
           </a:xfrm>
           <a:prstGeom prst="rect">
             <a:avLst/>
@@ -7775,10 +7775,10 @@
       </p:pic>
       <p:sp>
         <p:nvSpPr>
-          <p:cNvPr id="5" name="Title 1">
-            <a:extLst>
-              <a:ext uri="{FF2B5EF4-FFF2-40B4-BE49-F238E27FC236}">
-                <a16:creationId xmlns:a16="http://schemas.microsoft.com/office/drawing/2014/main" id="{8DDA5875-6A2A-4662-AD1C-4046C3E1625D}"/>
+          <p:cNvPr id="6" name="Title 1">
+            <a:extLst>
+              <a:ext uri="{FF2B5EF4-FFF2-40B4-BE49-F238E27FC236}">
+                <a16:creationId xmlns:a16="http://schemas.microsoft.com/office/drawing/2014/main" id="{D1E9277C-E622-4262-9804-28C149BD15CC}"/>
               </a:ext>
             </a:extLst>
           </p:cNvPr>
@@ -7789,7 +7789,7 @@
         </p:nvSpPr>
         <p:spPr>
           <a:xfrm>
-            <a:off x="8677337" y="2296648"/>
+            <a:off x="9288620" y="2205713"/>
             <a:ext cx="2800287" cy="2709275"/>
           </a:xfrm>
           <a:prstGeom prst="ellipse">
